--- a/Formula 1 tilasto palvelu.pptx
+++ b/Formula 1 tilasto palvelu.pptx
@@ -128,643 +128,14 @@
 <file path=ppt/revisionInfo.xml><?xml version="1.0" encoding="utf-8"?>
 <p1510:revInfo xmlns:a="http://schemas.openxmlformats.org/drawingml/2006/main" xmlns:r="http://schemas.openxmlformats.org/officeDocument/2006/relationships" xmlns:p1510="http://schemas.microsoft.com/office/powerpoint/2015/10/main">
   <p1510:revLst>
-    <p1510:client id="{55863410-99AD-4E50-9B80-9E51C679D125}" v="2" dt="2024-12-13T12:56:13.861"/>
+    <p1510:client id="{0A9C63CF-0DA7-6084-DB92-4D795A992439}" v="2" dt="2024-12-16T12:35:03.571"/>
+    <p1510:client id="{63C55323-9EEB-B40C-EFD8-427D19934AC7}" v="75" dt="2024-12-15T16:08:05.114"/>
   </p1510:revLst>
 </p1510:revInfo>
 </file>
 
 <file path=ppt/changesInfos/changesInfo1.xml><?xml version="1.0" encoding="utf-8"?>
 <pc:chgInfo xmlns:a="http://schemas.openxmlformats.org/drawingml/2006/main" xmlns:r="http://schemas.openxmlformats.org/officeDocument/2006/relationships" xmlns:ac="http://schemas.microsoft.com/office/drawing/2013/main/command" xmlns:pc="http://schemas.microsoft.com/office/powerpoint/2013/main/command">
-  <pc:docChgLst>
-    <pc:chgData name="Kristofer Maripuu NTIS23K" userId="S::kristofer.maripuu@centria.fi::71a55778-79da-49f0-9317-2fd8a84fc771" providerId="AD" clId="Web-{55863410-99AD-4E50-9B80-9E51C679D125}"/>
-    <pc:docChg chg="modSld">
-      <pc:chgData name="Kristofer Maripuu NTIS23K" userId="S::kristofer.maripuu@centria.fi::71a55778-79da-49f0-9317-2fd8a84fc771" providerId="AD" clId="Web-{55863410-99AD-4E50-9B80-9E51C679D125}" dt="2024-12-13T12:56:13.861" v="1" actId="20577"/>
-      <pc:docMkLst>
-        <pc:docMk/>
-      </pc:docMkLst>
-      <pc:sldChg chg="modSp">
-        <pc:chgData name="Kristofer Maripuu NTIS23K" userId="S::kristofer.maripuu@centria.fi::71a55778-79da-49f0-9317-2fd8a84fc771" providerId="AD" clId="Web-{55863410-99AD-4E50-9B80-9E51C679D125}" dt="2024-12-13T12:56:13.861" v="1" actId="20577"/>
-        <pc:sldMkLst>
-          <pc:docMk/>
-          <pc:sldMk cId="428294279" sldId="266"/>
-        </pc:sldMkLst>
-        <pc:spChg chg="mod">
-          <ac:chgData name="Kristofer Maripuu NTIS23K" userId="S::kristofer.maripuu@centria.fi::71a55778-79da-49f0-9317-2fd8a84fc771" providerId="AD" clId="Web-{55863410-99AD-4E50-9B80-9E51C679D125}" dt="2024-12-13T12:56:13.861" v="1" actId="20577"/>
-          <ac:spMkLst>
-            <pc:docMk/>
-            <pc:sldMk cId="428294279" sldId="266"/>
-            <ac:spMk id="3" creationId="{C40FA910-81A2-F189-11C0-480BBC81BD85}"/>
-          </ac:spMkLst>
-        </pc:spChg>
-      </pc:sldChg>
-    </pc:docChg>
-  </pc:docChgLst>
-  <pc:docChgLst>
-    <pc:chgData name="Kristofer Maripuu NTIS23K" userId="S::kristofer.maripuu@centria.fi::71a55778-79da-49f0-9317-2fd8a84fc771" providerId="AD" clId="Web-{A69CA0EB-26D0-1A37-F789-BBC3AA4F1027}"/>
-    <pc:docChg chg="addSld modSld">
-      <pc:chgData name="Kristofer Maripuu NTIS23K" userId="S::kristofer.maripuu@centria.fi::71a55778-79da-49f0-9317-2fd8a84fc771" providerId="AD" clId="Web-{A69CA0EB-26D0-1A37-F789-BBC3AA4F1027}" dt="2024-10-24T10:11:33.450" v="114" actId="1076"/>
-      <pc:docMkLst>
-        <pc:docMk/>
-      </pc:docMkLst>
-      <pc:sldChg chg="modSp new">
-        <pc:chgData name="Kristofer Maripuu NTIS23K" userId="S::kristofer.maripuu@centria.fi::71a55778-79da-49f0-9317-2fd8a84fc771" providerId="AD" clId="Web-{A69CA0EB-26D0-1A37-F789-BBC3AA4F1027}" dt="2024-10-24T09:57:30.035" v="113" actId="20577"/>
-        <pc:sldMkLst>
-          <pc:docMk/>
-          <pc:sldMk cId="428294279" sldId="266"/>
-        </pc:sldMkLst>
-        <pc:spChg chg="mod">
-          <ac:chgData name="Kristofer Maripuu NTIS23K" userId="S::kristofer.maripuu@centria.fi::71a55778-79da-49f0-9317-2fd8a84fc771" providerId="AD" clId="Web-{A69CA0EB-26D0-1A37-F789-BBC3AA4F1027}" dt="2024-10-24T09:57:30.035" v="113" actId="20577"/>
-          <ac:spMkLst>
-            <pc:docMk/>
-            <pc:sldMk cId="428294279" sldId="266"/>
-            <ac:spMk id="3" creationId="{C40FA910-81A2-F189-11C0-480BBC81BD85}"/>
-          </ac:spMkLst>
-        </pc:spChg>
-      </pc:sldChg>
-    </pc:docChg>
-  </pc:docChgLst>
-  <pc:docChgLst>
-    <pc:chgData name="Kristofer Maripuu NTIS23K" userId="S::kristofer.maripuu@centria.fi::71a55778-79da-49f0-9317-2fd8a84fc771" providerId="AD" clId="Web-{86A1582C-FAE1-F9B5-FB43-4B01B58DF82B}"/>
-    <pc:docChg chg="addSld delSld modSld sldOrd">
-      <pc:chgData name="Kristofer Maripuu NTIS23K" userId="S::kristofer.maripuu@centria.fi::71a55778-79da-49f0-9317-2fd8a84fc771" providerId="AD" clId="Web-{86A1582C-FAE1-F9B5-FB43-4B01B58DF82B}" dt="2024-10-30T11:00:44.800" v="21"/>
-      <pc:docMkLst>
-        <pc:docMk/>
-      </pc:docMkLst>
-      <pc:sldChg chg="modSp">
-        <pc:chgData name="Kristofer Maripuu NTIS23K" userId="S::kristofer.maripuu@centria.fi::71a55778-79da-49f0-9317-2fd8a84fc771" providerId="AD" clId="Web-{86A1582C-FAE1-F9B5-FB43-4B01B58DF82B}" dt="2024-10-30T10:39:06.624" v="10" actId="20577"/>
-        <pc:sldMkLst>
-          <pc:docMk/>
-          <pc:sldMk cId="3519715500" sldId="261"/>
-        </pc:sldMkLst>
-      </pc:sldChg>
-      <pc:sldChg chg="modSp">
-        <pc:chgData name="Kristofer Maripuu NTIS23K" userId="S::kristofer.maripuu@centria.fi::71a55778-79da-49f0-9317-2fd8a84fc771" providerId="AD" clId="Web-{86A1582C-FAE1-F9B5-FB43-4B01B58DF82B}" dt="2024-10-30T10:39:12.280" v="14" actId="20577"/>
-        <pc:sldMkLst>
-          <pc:docMk/>
-          <pc:sldMk cId="428294279" sldId="266"/>
-        </pc:sldMkLst>
-        <pc:spChg chg="mod">
-          <ac:chgData name="Kristofer Maripuu NTIS23K" userId="S::kristofer.maripuu@centria.fi::71a55778-79da-49f0-9317-2fd8a84fc771" providerId="AD" clId="Web-{86A1582C-FAE1-F9B5-FB43-4B01B58DF82B}" dt="2024-10-30T10:39:12.280" v="14" actId="20577"/>
-          <ac:spMkLst>
-            <pc:docMk/>
-            <pc:sldMk cId="428294279" sldId="266"/>
-            <ac:spMk id="3" creationId="{C40FA910-81A2-F189-11C0-480BBC81BD85}"/>
-          </ac:spMkLst>
-        </pc:spChg>
-      </pc:sldChg>
-      <pc:sldChg chg="modSp new del ord">
-        <pc:chgData name="Kristofer Maripuu NTIS23K" userId="S::kristofer.maripuu@centria.fi::71a55778-79da-49f0-9317-2fd8a84fc771" providerId="AD" clId="Web-{86A1582C-FAE1-F9B5-FB43-4B01B58DF82B}" dt="2024-10-30T10:56:28.200" v="19"/>
-        <pc:sldMkLst>
-          <pc:docMk/>
-          <pc:sldMk cId="2009633531" sldId="267"/>
-        </pc:sldMkLst>
-      </pc:sldChg>
-      <pc:sldChg chg="modSp new">
-        <pc:chgData name="Kristofer Maripuu NTIS23K" userId="S::kristofer.maripuu@centria.fi::71a55778-79da-49f0-9317-2fd8a84fc771" providerId="AD" clId="Web-{86A1582C-FAE1-F9B5-FB43-4B01B58DF82B}" dt="2024-10-30T11:00:44.456" v="20" actId="20577"/>
-        <pc:sldMkLst>
-          <pc:docMk/>
-          <pc:sldMk cId="3656617626" sldId="268"/>
-        </pc:sldMkLst>
-        <pc:spChg chg="mod">
-          <ac:chgData name="Kristofer Maripuu NTIS23K" userId="S::kristofer.maripuu@centria.fi::71a55778-79da-49f0-9317-2fd8a84fc771" providerId="AD" clId="Web-{86A1582C-FAE1-F9B5-FB43-4B01B58DF82B}" dt="2024-10-30T11:00:44.456" v="20" actId="20577"/>
-          <ac:spMkLst>
-            <pc:docMk/>
-            <pc:sldMk cId="3656617626" sldId="268"/>
-            <ac:spMk id="2" creationId="{CDE5E0AA-D6B9-E2DC-D6DC-6BC05DCA6E20}"/>
-          </ac:spMkLst>
-        </pc:spChg>
-      </pc:sldChg>
-      <pc:sldChg chg="new">
-        <pc:chgData name="Kristofer Maripuu NTIS23K" userId="S::kristofer.maripuu@centria.fi::71a55778-79da-49f0-9317-2fd8a84fc771" providerId="AD" clId="Web-{86A1582C-FAE1-F9B5-FB43-4B01B58DF82B}" dt="2024-10-30T11:00:44.800" v="21"/>
-        <pc:sldMkLst>
-          <pc:docMk/>
-          <pc:sldMk cId="1372172750" sldId="269"/>
-        </pc:sldMkLst>
-      </pc:sldChg>
-    </pc:docChg>
-  </pc:docChgLst>
-  <pc:docChgLst>
-    <pc:chgData name="Arttu-Pekka Konttila NTIS23K" userId="e6f772f8-63f0-4e1c-894c-6282194fae0e" providerId="ADAL" clId="{A5ACCFBE-ED1C-4BC2-B338-B46515F31B0D}"/>
-    <pc:docChg chg="custSel modSld">
-      <pc:chgData name="Arttu-Pekka Konttila NTIS23K" userId="e6f772f8-63f0-4e1c-894c-6282194fae0e" providerId="ADAL" clId="{A5ACCFBE-ED1C-4BC2-B338-B46515F31B0D}" dt="2024-12-13T13:27:55.197" v="0" actId="478"/>
-      <pc:docMkLst>
-        <pc:docMk/>
-      </pc:docMkLst>
-      <pc:sldChg chg="delSp mod">
-        <pc:chgData name="Arttu-Pekka Konttila NTIS23K" userId="e6f772f8-63f0-4e1c-894c-6282194fae0e" providerId="ADAL" clId="{A5ACCFBE-ED1C-4BC2-B338-B46515F31B0D}" dt="2024-12-13T13:27:55.197" v="0" actId="478"/>
-        <pc:sldMkLst>
-          <pc:docMk/>
-          <pc:sldMk cId="24826804" sldId="258"/>
-        </pc:sldMkLst>
-        <pc:picChg chg="del">
-          <ac:chgData name="Arttu-Pekka Konttila NTIS23K" userId="e6f772f8-63f0-4e1c-894c-6282194fae0e" providerId="ADAL" clId="{A5ACCFBE-ED1C-4BC2-B338-B46515F31B0D}" dt="2024-12-13T13:27:55.197" v="0" actId="478"/>
-          <ac:picMkLst>
-            <pc:docMk/>
-            <pc:sldMk cId="24826804" sldId="258"/>
-            <ac:picMk id="9" creationId="{B6444143-913A-6ADF-1F0E-B83194121510}"/>
-          </ac:picMkLst>
-        </pc:picChg>
-      </pc:sldChg>
-    </pc:docChg>
-  </pc:docChgLst>
-  <pc:docChgLst>
-    <pc:chgData name="Arttu-Pekka Konttila NTIS23K" userId="e6f772f8-63f0-4e1c-894c-6282194fae0e" providerId="ADAL" clId="{BD25C746-5EEC-42C9-90F9-242F8CFAAF4E}"/>
-    <pc:docChg chg="undo custSel addSld delSld modSld sldOrd">
-      <pc:chgData name="Arttu-Pekka Konttila NTIS23K" userId="e6f772f8-63f0-4e1c-894c-6282194fae0e" providerId="ADAL" clId="{BD25C746-5EEC-42C9-90F9-242F8CFAAF4E}" dt="2024-11-28T12:39:07.799" v="2670"/>
-      <pc:docMkLst>
-        <pc:docMk/>
-      </pc:docMkLst>
-      <pc:sldChg chg="addSp delSp modSp mod">
-        <pc:chgData name="Arttu-Pekka Konttila NTIS23K" userId="e6f772f8-63f0-4e1c-894c-6282194fae0e" providerId="ADAL" clId="{BD25C746-5EEC-42C9-90F9-242F8CFAAF4E}" dt="2024-10-23T09:57:24.779" v="1106" actId="1076"/>
-        <pc:sldMkLst>
-          <pc:docMk/>
-          <pc:sldMk cId="2996447219" sldId="256"/>
-        </pc:sldMkLst>
-      </pc:sldChg>
-      <pc:sldChg chg="addSp modSp new mod">
-        <pc:chgData name="Arttu-Pekka Konttila NTIS23K" userId="e6f772f8-63f0-4e1c-894c-6282194fae0e" providerId="ADAL" clId="{BD25C746-5EEC-42C9-90F9-242F8CFAAF4E}" dt="2024-10-23T10:12:34.496" v="1363" actId="1076"/>
-        <pc:sldMkLst>
-          <pc:docMk/>
-          <pc:sldMk cId="1996207643" sldId="257"/>
-        </pc:sldMkLst>
-        <pc:spChg chg="mod">
-          <ac:chgData name="Arttu-Pekka Konttila NTIS23K" userId="e6f772f8-63f0-4e1c-894c-6282194fae0e" providerId="ADAL" clId="{BD25C746-5EEC-42C9-90F9-242F8CFAAF4E}" dt="2024-10-23T09:32:02.511" v="157" actId="20577"/>
-          <ac:spMkLst>
-            <pc:docMk/>
-            <pc:sldMk cId="1996207643" sldId="257"/>
-            <ac:spMk id="2" creationId="{2B72BA98-46CC-2829-68B3-FA7994BFD8BB}"/>
-          </ac:spMkLst>
-        </pc:spChg>
-        <pc:spChg chg="mod">
-          <ac:chgData name="Arttu-Pekka Konttila NTIS23K" userId="e6f772f8-63f0-4e1c-894c-6282194fae0e" providerId="ADAL" clId="{BD25C746-5EEC-42C9-90F9-242F8CFAAF4E}" dt="2024-10-23T09:35:59.881" v="499" actId="20577"/>
-          <ac:spMkLst>
-            <pc:docMk/>
-            <pc:sldMk cId="1996207643" sldId="257"/>
-            <ac:spMk id="3" creationId="{33CEC444-A545-7836-2945-7D1B03F7CDC4}"/>
-          </ac:spMkLst>
-        </pc:spChg>
-        <pc:picChg chg="add mod">
-          <ac:chgData name="Arttu-Pekka Konttila NTIS23K" userId="e6f772f8-63f0-4e1c-894c-6282194fae0e" providerId="ADAL" clId="{BD25C746-5EEC-42C9-90F9-242F8CFAAF4E}" dt="2024-10-23T10:12:34.496" v="1363" actId="1076"/>
-          <ac:picMkLst>
-            <pc:docMk/>
-            <pc:sldMk cId="1996207643" sldId="257"/>
-            <ac:picMk id="4" creationId="{B3EF514E-B43F-E225-CC27-B28EC01B39B1}"/>
-          </ac:picMkLst>
-        </pc:picChg>
-      </pc:sldChg>
-      <pc:sldChg chg="modSp mod">
-        <pc:chgData name="Arttu-Pekka Konttila NTIS23K" userId="e6f772f8-63f0-4e1c-894c-6282194fae0e" providerId="ADAL" clId="{BD25C746-5EEC-42C9-90F9-242F8CFAAF4E}" dt="2024-10-23T09:41:24.260" v="909" actId="20577"/>
-        <pc:sldMkLst>
-          <pc:docMk/>
-          <pc:sldMk cId="24826804" sldId="258"/>
-        </pc:sldMkLst>
-        <pc:spChg chg="mod">
-          <ac:chgData name="Arttu-Pekka Konttila NTIS23K" userId="e6f772f8-63f0-4e1c-894c-6282194fae0e" providerId="ADAL" clId="{BD25C746-5EEC-42C9-90F9-242F8CFAAF4E}" dt="2024-10-23T09:41:24.260" v="909" actId="20577"/>
-          <ac:spMkLst>
-            <pc:docMk/>
-            <pc:sldMk cId="24826804" sldId="258"/>
-            <ac:spMk id="3" creationId="{918AEDB8-A560-F8F6-ABD8-35354E40325F}"/>
-          </ac:spMkLst>
-        </pc:spChg>
-      </pc:sldChg>
-      <pc:sldChg chg="modSp mod">
-        <pc:chgData name="Arttu-Pekka Konttila NTIS23K" userId="e6f772f8-63f0-4e1c-894c-6282194fae0e" providerId="ADAL" clId="{BD25C746-5EEC-42C9-90F9-242F8CFAAF4E}" dt="2024-10-23T09:57:57.126" v="1125" actId="20577"/>
-        <pc:sldMkLst>
-          <pc:docMk/>
-          <pc:sldMk cId="795598357" sldId="259"/>
-        </pc:sldMkLst>
-        <pc:spChg chg="mod">
-          <ac:chgData name="Arttu-Pekka Konttila NTIS23K" userId="e6f772f8-63f0-4e1c-894c-6282194fae0e" providerId="ADAL" clId="{BD25C746-5EEC-42C9-90F9-242F8CFAAF4E}" dt="2024-10-23T09:57:57.126" v="1125" actId="20577"/>
-          <ac:spMkLst>
-            <pc:docMk/>
-            <pc:sldMk cId="795598357" sldId="259"/>
-            <ac:spMk id="2" creationId="{C35B4AFE-EED1-39DD-7163-E5B99DE5F573}"/>
-          </ac:spMkLst>
-        </pc:spChg>
-        <pc:spChg chg="mod">
-          <ac:chgData name="Arttu-Pekka Konttila NTIS23K" userId="e6f772f8-63f0-4e1c-894c-6282194fae0e" providerId="ADAL" clId="{BD25C746-5EEC-42C9-90F9-242F8CFAAF4E}" dt="2024-10-23T09:53:47.998" v="1092" actId="14"/>
-          <ac:spMkLst>
-            <pc:docMk/>
-            <pc:sldMk cId="795598357" sldId="259"/>
-            <ac:spMk id="3" creationId="{D262D234-6172-1719-623D-6F9CA1159F1E}"/>
-          </ac:spMkLst>
-        </pc:spChg>
-      </pc:sldChg>
-      <pc:sldChg chg="modSp mod">
-        <pc:chgData name="Arttu-Pekka Konttila NTIS23K" userId="e6f772f8-63f0-4e1c-894c-6282194fae0e" providerId="ADAL" clId="{BD25C746-5EEC-42C9-90F9-242F8CFAAF4E}" dt="2024-11-28T12:17:08.892" v="2660" actId="20577"/>
-        <pc:sldMkLst>
-          <pc:docMk/>
-          <pc:sldMk cId="865553335" sldId="260"/>
-        </pc:sldMkLst>
-        <pc:spChg chg="mod">
-          <ac:chgData name="Arttu-Pekka Konttila NTIS23K" userId="e6f772f8-63f0-4e1c-894c-6282194fae0e" providerId="ADAL" clId="{BD25C746-5EEC-42C9-90F9-242F8CFAAF4E}" dt="2024-10-23T09:58:24.107" v="1173" actId="20577"/>
-          <ac:spMkLst>
-            <pc:docMk/>
-            <pc:sldMk cId="865553335" sldId="260"/>
-            <ac:spMk id="2" creationId="{8CA48BDD-899A-E4F2-4199-DABD244B367C}"/>
-          </ac:spMkLst>
-        </pc:spChg>
-        <pc:spChg chg="mod">
-          <ac:chgData name="Arttu-Pekka Konttila NTIS23K" userId="e6f772f8-63f0-4e1c-894c-6282194fae0e" providerId="ADAL" clId="{BD25C746-5EEC-42C9-90F9-242F8CFAAF4E}" dt="2024-11-28T12:17:08.892" v="2660" actId="20577"/>
-          <ac:spMkLst>
-            <pc:docMk/>
-            <pc:sldMk cId="865553335" sldId="260"/>
-            <ac:spMk id="3" creationId="{1EAB6FA4-98BF-41CC-FB6A-DEE55A893A1D}"/>
-          </ac:spMkLst>
-        </pc:spChg>
-      </pc:sldChg>
-      <pc:sldChg chg="modSp new mod">
-        <pc:chgData name="Arttu-Pekka Konttila NTIS23K" userId="e6f772f8-63f0-4e1c-894c-6282194fae0e" providerId="ADAL" clId="{BD25C746-5EEC-42C9-90F9-242F8CFAAF4E}" dt="2024-10-30T10:52:08.511" v="1364" actId="1076"/>
-        <pc:sldMkLst>
-          <pc:docMk/>
-          <pc:sldMk cId="1183947148" sldId="262"/>
-        </pc:sldMkLst>
-        <pc:spChg chg="mod">
-          <ac:chgData name="Arttu-Pekka Konttila NTIS23K" userId="e6f772f8-63f0-4e1c-894c-6282194fae0e" providerId="ADAL" clId="{BD25C746-5EEC-42C9-90F9-242F8CFAAF4E}" dt="2024-10-23T10:03:58.274" v="1205" actId="20577"/>
-          <ac:spMkLst>
-            <pc:docMk/>
-            <pc:sldMk cId="1183947148" sldId="262"/>
-            <ac:spMk id="2" creationId="{F2FDD93D-9046-5908-CE7C-9B46F3086C97}"/>
-          </ac:spMkLst>
-        </pc:spChg>
-        <pc:spChg chg="mod">
-          <ac:chgData name="Arttu-Pekka Konttila NTIS23K" userId="e6f772f8-63f0-4e1c-894c-6282194fae0e" providerId="ADAL" clId="{BD25C746-5EEC-42C9-90F9-242F8CFAAF4E}" dt="2024-10-30T10:52:08.511" v="1364" actId="1076"/>
-          <ac:spMkLst>
-            <pc:docMk/>
-            <pc:sldMk cId="1183947148" sldId="262"/>
-            <ac:spMk id="3" creationId="{4362A553-4582-A8AF-566C-39884FB3AF29}"/>
-          </ac:spMkLst>
-        </pc:spChg>
-      </pc:sldChg>
-      <pc:sldChg chg="addSp delSp modSp mod">
-        <pc:chgData name="Arttu-Pekka Konttila NTIS23K" userId="e6f772f8-63f0-4e1c-894c-6282194fae0e" providerId="ADAL" clId="{BD25C746-5EEC-42C9-90F9-242F8CFAAF4E}" dt="2024-10-23T10:10:24.356" v="1362" actId="14100"/>
-        <pc:sldMkLst>
-          <pc:docMk/>
-          <pc:sldMk cId="0" sldId="263"/>
-        </pc:sldMkLst>
-        <pc:spChg chg="mod">
-          <ac:chgData name="Arttu-Pekka Konttila NTIS23K" userId="e6f772f8-63f0-4e1c-894c-6282194fae0e" providerId="ADAL" clId="{BD25C746-5EEC-42C9-90F9-242F8CFAAF4E}" dt="2024-10-23T10:09:08.488" v="1353" actId="1076"/>
-          <ac:spMkLst>
-            <pc:docMk/>
-            <pc:sldMk cId="0" sldId="263"/>
-            <ac:spMk id="2" creationId="{00000000-0000-0000-0000-000000000000}"/>
-          </ac:spMkLst>
-        </pc:spChg>
-      </pc:sldChg>
-      <pc:sldChg chg="modSp mod">
-        <pc:chgData name="Arttu-Pekka Konttila NTIS23K" userId="e6f772f8-63f0-4e1c-894c-6282194fae0e" providerId="ADAL" clId="{BD25C746-5EEC-42C9-90F9-242F8CFAAF4E}" dt="2024-11-28T12:16:55.840" v="2659" actId="20577"/>
-        <pc:sldMkLst>
-          <pc:docMk/>
-          <pc:sldMk cId="3050558285" sldId="265"/>
-        </pc:sldMkLst>
-        <pc:spChg chg="mod">
-          <ac:chgData name="Arttu-Pekka Konttila NTIS23K" userId="e6f772f8-63f0-4e1c-894c-6282194fae0e" providerId="ADAL" clId="{BD25C746-5EEC-42C9-90F9-242F8CFAAF4E}" dt="2024-11-28T12:16:55.840" v="2659" actId="20577"/>
-          <ac:spMkLst>
-            <pc:docMk/>
-            <pc:sldMk cId="3050558285" sldId="265"/>
-            <ac:spMk id="3" creationId="{AB081519-299E-7E9F-3425-3B2BFD5FDF96}"/>
-          </ac:spMkLst>
-        </pc:spChg>
-      </pc:sldChg>
-      <pc:sldChg chg="ord">
-        <pc:chgData name="Arttu-Pekka Konttila NTIS23K" userId="e6f772f8-63f0-4e1c-894c-6282194fae0e" providerId="ADAL" clId="{BD25C746-5EEC-42C9-90F9-242F8CFAAF4E}" dt="2024-11-28T12:39:07.799" v="2670"/>
-        <pc:sldMkLst>
-          <pc:docMk/>
-          <pc:sldMk cId="3656617626" sldId="268"/>
-        </pc:sldMkLst>
-      </pc:sldChg>
-      <pc:sldChg chg="del">
-        <pc:chgData name="Arttu-Pekka Konttila NTIS23K" userId="e6f772f8-63f0-4e1c-894c-6282194fae0e" providerId="ADAL" clId="{BD25C746-5EEC-42C9-90F9-242F8CFAAF4E}" dt="2024-11-14T11:15:05.492" v="1365" actId="2696"/>
-        <pc:sldMkLst>
-          <pc:docMk/>
-          <pc:sldMk cId="1372172750" sldId="269"/>
-        </pc:sldMkLst>
-      </pc:sldChg>
-      <pc:sldChg chg="modSp mod ord">
-        <pc:chgData name="Arttu-Pekka Konttila NTIS23K" userId="e6f772f8-63f0-4e1c-894c-6282194fae0e" providerId="ADAL" clId="{BD25C746-5EEC-42C9-90F9-242F8CFAAF4E}" dt="2024-11-28T12:39:03.879" v="2666"/>
-        <pc:sldMkLst>
-          <pc:docMk/>
-          <pc:sldMk cId="3567148358" sldId="270"/>
-        </pc:sldMkLst>
-        <pc:spChg chg="mod">
-          <ac:chgData name="Arttu-Pekka Konttila NTIS23K" userId="e6f772f8-63f0-4e1c-894c-6282194fae0e" providerId="ADAL" clId="{BD25C746-5EEC-42C9-90F9-242F8CFAAF4E}" dt="2024-11-14T11:50:31.495" v="1732" actId="20577"/>
-          <ac:spMkLst>
-            <pc:docMk/>
-            <pc:sldMk cId="3567148358" sldId="270"/>
-            <ac:spMk id="3" creationId="{E7533368-086E-3FD8-11D4-C5E4A0112392}"/>
-          </ac:spMkLst>
-        </pc:spChg>
-      </pc:sldChg>
-      <pc:sldChg chg="modSp mod ord">
-        <pc:chgData name="Arttu-Pekka Konttila NTIS23K" userId="e6f772f8-63f0-4e1c-894c-6282194fae0e" providerId="ADAL" clId="{BD25C746-5EEC-42C9-90F9-242F8CFAAF4E}" dt="2024-11-28T12:39:06.097" v="2668"/>
-        <pc:sldMkLst>
-          <pc:docMk/>
-          <pc:sldMk cId="1560041306" sldId="271"/>
-        </pc:sldMkLst>
-        <pc:spChg chg="mod">
-          <ac:chgData name="Arttu-Pekka Konttila NTIS23K" userId="e6f772f8-63f0-4e1c-894c-6282194fae0e" providerId="ADAL" clId="{BD25C746-5EEC-42C9-90F9-242F8CFAAF4E}" dt="2024-11-14T12:04:52.315" v="2606" actId="20577"/>
-          <ac:spMkLst>
-            <pc:docMk/>
-            <pc:sldMk cId="1560041306" sldId="271"/>
-            <ac:spMk id="3" creationId="{084BF8A4-E85F-0877-7089-C3BECB8ED320}"/>
-          </ac:spMkLst>
-        </pc:spChg>
-      </pc:sldChg>
-    </pc:docChg>
-  </pc:docChgLst>
-  <pc:docChgLst>
-    <pc:chgData name="Kristofer Maripuu NTIS23K" userId="S::kristofer.maripuu@centria.fi::71a55778-79da-49f0-9317-2fd8a84fc771" providerId="AD" clId="Web-{3878BCC5-CB67-E3F2-B1A6-EAB1A0B589F1}"/>
-    <pc:docChg chg="modSld sldOrd">
-      <pc:chgData name="Kristofer Maripuu NTIS23K" userId="S::kristofer.maripuu@centria.fi::71a55778-79da-49f0-9317-2fd8a84fc771" providerId="AD" clId="Web-{3878BCC5-CB67-E3F2-B1A6-EAB1A0B589F1}" dt="2024-11-28T12:38:35.608" v="326"/>
-      <pc:docMkLst>
-        <pc:docMk/>
-      </pc:docMkLst>
-      <pc:sldChg chg="ord">
-        <pc:chgData name="Kristofer Maripuu NTIS23K" userId="S::kristofer.maripuu@centria.fi::71a55778-79da-49f0-9317-2fd8a84fc771" providerId="AD" clId="Web-{3878BCC5-CB67-E3F2-B1A6-EAB1A0B589F1}" dt="2024-11-28T12:38:35.608" v="326"/>
-        <pc:sldMkLst>
-          <pc:docMk/>
-          <pc:sldMk cId="1560041306" sldId="271"/>
-        </pc:sldMkLst>
-      </pc:sldChg>
-      <pc:sldChg chg="modSp">
-        <pc:chgData name="Kristofer Maripuu NTIS23K" userId="S::kristofer.maripuu@centria.fi::71a55778-79da-49f0-9317-2fd8a84fc771" providerId="AD" clId="Web-{3878BCC5-CB67-E3F2-B1A6-EAB1A0B589F1}" dt="2024-11-28T12:36:57.932" v="324" actId="20577"/>
-        <pc:sldMkLst>
-          <pc:docMk/>
-          <pc:sldMk cId="1802322523" sldId="272"/>
-        </pc:sldMkLst>
-        <pc:spChg chg="mod">
-          <ac:chgData name="Kristofer Maripuu NTIS23K" userId="S::kristofer.maripuu@centria.fi::71a55778-79da-49f0-9317-2fd8a84fc771" providerId="AD" clId="Web-{3878BCC5-CB67-E3F2-B1A6-EAB1A0B589F1}" dt="2024-11-28T12:36:57.932" v="324" actId="20577"/>
-          <ac:spMkLst>
-            <pc:docMk/>
-            <pc:sldMk cId="1802322523" sldId="272"/>
-            <ac:spMk id="3" creationId="{16A8E584-1B3D-1C7D-0DCC-87AF0A7945EE}"/>
-          </ac:spMkLst>
-        </pc:spChg>
-      </pc:sldChg>
-    </pc:docChg>
-  </pc:docChgLst>
-  <pc:docChgLst>
-    <pc:chgData name="Kristofer Maripuu NTIS23K" userId="S::kristofer.maripuu@centria.fi::71a55778-79da-49f0-9317-2fd8a84fc771" providerId="AD" clId="Web-{4324E239-032E-DA0D-7BAD-FD83245B688E}"/>
-    <pc:docChg chg="addSld modSld">
-      <pc:chgData name="Kristofer Maripuu NTIS23K" userId="S::kristofer.maripuu@centria.fi::71a55778-79da-49f0-9317-2fd8a84fc771" providerId="AD" clId="Web-{4324E239-032E-DA0D-7BAD-FD83245B688E}" dt="2024-11-14T12:05:23.672" v="432" actId="20577"/>
-      <pc:docMkLst>
-        <pc:docMk/>
-      </pc:docMkLst>
-      <pc:sldChg chg="modSp">
-        <pc:chgData name="Kristofer Maripuu NTIS23K" userId="S::kristofer.maripuu@centria.fi::71a55778-79da-49f0-9317-2fd8a84fc771" providerId="AD" clId="Web-{4324E239-032E-DA0D-7BAD-FD83245B688E}" dt="2024-11-14T11:56:32.605" v="363" actId="20577"/>
-        <pc:sldMkLst>
-          <pc:docMk/>
-          <pc:sldMk cId="428294279" sldId="266"/>
-        </pc:sldMkLst>
-        <pc:spChg chg="mod">
-          <ac:chgData name="Kristofer Maripuu NTIS23K" userId="S::kristofer.maripuu@centria.fi::71a55778-79da-49f0-9317-2fd8a84fc771" providerId="AD" clId="Web-{4324E239-032E-DA0D-7BAD-FD83245B688E}" dt="2024-11-14T11:56:32.605" v="363" actId="20577"/>
-          <ac:spMkLst>
-            <pc:docMk/>
-            <pc:sldMk cId="428294279" sldId="266"/>
-            <ac:spMk id="3" creationId="{C40FA910-81A2-F189-11C0-480BBC81BD85}"/>
-          </ac:spMkLst>
-        </pc:spChg>
-      </pc:sldChg>
-      <pc:sldChg chg="modSp">
-        <pc:chgData name="Kristofer Maripuu NTIS23K" userId="S::kristofer.maripuu@centria.fi::71a55778-79da-49f0-9317-2fd8a84fc771" providerId="AD" clId="Web-{4324E239-032E-DA0D-7BAD-FD83245B688E}" dt="2024-11-14T11:45:00.235" v="289" actId="20577"/>
-        <pc:sldMkLst>
-          <pc:docMk/>
-          <pc:sldMk cId="3656617626" sldId="268"/>
-        </pc:sldMkLst>
-        <pc:spChg chg="mod">
-          <ac:chgData name="Kristofer Maripuu NTIS23K" userId="S::kristofer.maripuu@centria.fi::71a55778-79da-49f0-9317-2fd8a84fc771" providerId="AD" clId="Web-{4324E239-032E-DA0D-7BAD-FD83245B688E}" dt="2024-11-14T11:45:00.235" v="289" actId="20577"/>
-          <ac:spMkLst>
-            <pc:docMk/>
-            <pc:sldMk cId="3656617626" sldId="268"/>
-            <ac:spMk id="3" creationId="{D42B3434-B77F-DF96-83A6-7F9CFC8967CA}"/>
-          </ac:spMkLst>
-        </pc:spChg>
-      </pc:sldChg>
-      <pc:sldChg chg="modSp new">
-        <pc:chgData name="Kristofer Maripuu NTIS23K" userId="S::kristofer.maripuu@centria.fi::71a55778-79da-49f0-9317-2fd8a84fc771" providerId="AD" clId="Web-{4324E239-032E-DA0D-7BAD-FD83245B688E}" dt="2024-11-14T11:45:19.079" v="301" actId="20577"/>
-        <pc:sldMkLst>
-          <pc:docMk/>
-          <pc:sldMk cId="164250223" sldId="269"/>
-        </pc:sldMkLst>
-      </pc:sldChg>
-      <pc:sldChg chg="modSp new">
-        <pc:chgData name="Kristofer Maripuu NTIS23K" userId="S::kristofer.maripuu@centria.fi::71a55778-79da-49f0-9317-2fd8a84fc771" providerId="AD" clId="Web-{4324E239-032E-DA0D-7BAD-FD83245B688E}" dt="2024-11-14T11:46:29.660" v="315" actId="20577"/>
-        <pc:sldMkLst>
-          <pc:docMk/>
-          <pc:sldMk cId="3567148358" sldId="270"/>
-        </pc:sldMkLst>
-        <pc:spChg chg="mod">
-          <ac:chgData name="Kristofer Maripuu NTIS23K" userId="S::kristofer.maripuu@centria.fi::71a55778-79da-49f0-9317-2fd8a84fc771" providerId="AD" clId="Web-{4324E239-032E-DA0D-7BAD-FD83245B688E}" dt="2024-11-14T11:46:29.660" v="315" actId="20577"/>
-          <ac:spMkLst>
-            <pc:docMk/>
-            <pc:sldMk cId="3567148358" sldId="270"/>
-            <ac:spMk id="2" creationId="{13E24E39-C5B0-758A-A81F-B6CC5D736F58}"/>
-          </ac:spMkLst>
-        </pc:spChg>
-      </pc:sldChg>
-      <pc:sldChg chg="modSp new">
-        <pc:chgData name="Kristofer Maripuu NTIS23K" userId="S::kristofer.maripuu@centria.fi::71a55778-79da-49f0-9317-2fd8a84fc771" providerId="AD" clId="Web-{4324E239-032E-DA0D-7BAD-FD83245B688E}" dt="2024-11-14T12:04:27.326" v="430" actId="20577"/>
-        <pc:sldMkLst>
-          <pc:docMk/>
-          <pc:sldMk cId="1560041306" sldId="271"/>
-        </pc:sldMkLst>
-        <pc:spChg chg="mod">
-          <ac:chgData name="Kristofer Maripuu NTIS23K" userId="S::kristofer.maripuu@centria.fi::71a55778-79da-49f0-9317-2fd8a84fc771" providerId="AD" clId="Web-{4324E239-032E-DA0D-7BAD-FD83245B688E}" dt="2024-11-14T11:54:27.679" v="346" actId="20577"/>
-          <ac:spMkLst>
-            <pc:docMk/>
-            <pc:sldMk cId="1560041306" sldId="271"/>
-            <ac:spMk id="2" creationId="{2F20A240-BE0A-A244-DD40-AC56B1E47540}"/>
-          </ac:spMkLst>
-        </pc:spChg>
-        <pc:spChg chg="mod">
-          <ac:chgData name="Kristofer Maripuu NTIS23K" userId="S::kristofer.maripuu@centria.fi::71a55778-79da-49f0-9317-2fd8a84fc771" providerId="AD" clId="Web-{4324E239-032E-DA0D-7BAD-FD83245B688E}" dt="2024-11-14T12:04:27.326" v="430" actId="20577"/>
-          <ac:spMkLst>
-            <pc:docMk/>
-            <pc:sldMk cId="1560041306" sldId="271"/>
-            <ac:spMk id="3" creationId="{084BF8A4-E85F-0877-7089-C3BECB8ED320}"/>
-          </ac:spMkLst>
-        </pc:spChg>
-      </pc:sldChg>
-      <pc:sldChg chg="modSp new">
-        <pc:chgData name="Kristofer Maripuu NTIS23K" userId="S::kristofer.maripuu@centria.fi::71a55778-79da-49f0-9317-2fd8a84fc771" providerId="AD" clId="Web-{4324E239-032E-DA0D-7BAD-FD83245B688E}" dt="2024-11-14T12:05:23.672" v="432" actId="20577"/>
-        <pc:sldMkLst>
-          <pc:docMk/>
-          <pc:sldMk cId="1802322523" sldId="272"/>
-        </pc:sldMkLst>
-        <pc:spChg chg="mod">
-          <ac:chgData name="Kristofer Maripuu NTIS23K" userId="S::kristofer.maripuu@centria.fi::71a55778-79da-49f0-9317-2fd8a84fc771" providerId="AD" clId="Web-{4324E239-032E-DA0D-7BAD-FD83245B688E}" dt="2024-11-14T12:05:23.672" v="432" actId="20577"/>
-          <ac:spMkLst>
-            <pc:docMk/>
-            <pc:sldMk cId="1802322523" sldId="272"/>
-            <ac:spMk id="2" creationId="{24971B75-DFC6-8BBD-5287-FE6E93E39855}"/>
-          </ac:spMkLst>
-        </pc:spChg>
-      </pc:sldChg>
-    </pc:docChg>
-  </pc:docChgLst>
-  <pc:docChgLst>
-    <pc:chgData name="Riku Lind NTIS23K" userId="S::riku.lind@centria.fi::f72659f3-3a53-4274-b8f5-9c24ac1908c3" providerId="AD" clId="Web-{8C93F78B-D474-1CB9-B8A9-4E97C9CF4C91}"/>
-    <pc:docChg chg="modSld">
-      <pc:chgData name="Riku Lind NTIS23K" userId="S::riku.lind@centria.fi::f72659f3-3a53-4274-b8f5-9c24ac1908c3" providerId="AD" clId="Web-{8C93F78B-D474-1CB9-B8A9-4E97C9CF4C91}" dt="2024-10-30T11:03:17.605" v="503" actId="14100"/>
-      <pc:docMkLst>
-        <pc:docMk/>
-      </pc:docMkLst>
-      <pc:sldChg chg="modSp">
-        <pc:chgData name="Riku Lind NTIS23K" userId="S::riku.lind@centria.fi::f72659f3-3a53-4274-b8f5-9c24ac1908c3" providerId="AD" clId="Web-{8C93F78B-D474-1CB9-B8A9-4E97C9CF4C91}" dt="2024-10-30T11:03:17.605" v="503" actId="14100"/>
-        <pc:sldMkLst>
-          <pc:docMk/>
-          <pc:sldMk cId="3519715500" sldId="261"/>
-        </pc:sldMkLst>
-        <pc:graphicFrameChg chg="mod modGraphic">
-          <ac:chgData name="Riku Lind NTIS23K" userId="S::riku.lind@centria.fi::f72659f3-3a53-4274-b8f5-9c24ac1908c3" providerId="AD" clId="Web-{8C93F78B-D474-1CB9-B8A9-4E97C9CF4C91}" dt="2024-10-30T11:03:17.605" v="503" actId="14100"/>
-          <ac:graphicFrameMkLst>
-            <pc:docMk/>
-            <pc:sldMk cId="3519715500" sldId="261"/>
-            <ac:graphicFrameMk id="25" creationId="{A8812034-06A2-7EE7-ACC8-0909BE20992A}"/>
-          </ac:graphicFrameMkLst>
-        </pc:graphicFrameChg>
-        <pc:picChg chg="mod">
-          <ac:chgData name="Riku Lind NTIS23K" userId="S::riku.lind@centria.fi::f72659f3-3a53-4274-b8f5-9c24ac1908c3" providerId="AD" clId="Web-{8C93F78B-D474-1CB9-B8A9-4E97C9CF4C91}" dt="2024-10-30T10:46:53.048" v="322" actId="14100"/>
-          <ac:picMkLst>
-            <pc:docMk/>
-            <pc:sldMk cId="3519715500" sldId="261"/>
-            <ac:picMk id="4" creationId="{E3977492-E35F-653C-014F-A746CED7DBE1}"/>
-          </ac:picMkLst>
-        </pc:picChg>
-      </pc:sldChg>
-      <pc:sldChg chg="modSp">
-        <pc:chgData name="Riku Lind NTIS23K" userId="S::riku.lind@centria.fi::f72659f3-3a53-4274-b8f5-9c24ac1908c3" providerId="AD" clId="Web-{8C93F78B-D474-1CB9-B8A9-4E97C9CF4C91}" dt="2024-10-30T10:53:56.713" v="474" actId="20577"/>
-        <pc:sldMkLst>
-          <pc:docMk/>
-          <pc:sldMk cId="428294279" sldId="266"/>
-        </pc:sldMkLst>
-        <pc:spChg chg="mod">
-          <ac:chgData name="Riku Lind NTIS23K" userId="S::riku.lind@centria.fi::f72659f3-3a53-4274-b8f5-9c24ac1908c3" providerId="AD" clId="Web-{8C93F78B-D474-1CB9-B8A9-4E97C9CF4C91}" dt="2024-10-30T10:53:56.713" v="474" actId="20577"/>
-          <ac:spMkLst>
-            <pc:docMk/>
-            <pc:sldMk cId="428294279" sldId="266"/>
-            <ac:spMk id="3" creationId="{C40FA910-81A2-F189-11C0-480BBC81BD85}"/>
-          </ac:spMkLst>
-        </pc:spChg>
-      </pc:sldChg>
-    </pc:docChg>
-  </pc:docChgLst>
-  <pc:docChgLst>
-    <pc:chgData name="Arttu-Pekka Konttila NTIS23K" userId="e6f772f8-63f0-4e1c-894c-6282194fae0e" providerId="ADAL" clId="{B8B10FE7-7FBE-41CD-B206-A398601245A1}"/>
-    <pc:docChg chg="custSel addSld modSld">
-      <pc:chgData name="Arttu-Pekka Konttila NTIS23K" userId="e6f772f8-63f0-4e1c-894c-6282194fae0e" providerId="ADAL" clId="{B8B10FE7-7FBE-41CD-B206-A398601245A1}" dt="2024-10-24T09:50:37.871" v="1683" actId="20577"/>
-      <pc:docMkLst>
-        <pc:docMk/>
-      </pc:docMkLst>
-      <pc:sldChg chg="modSp mod">
-        <pc:chgData name="Arttu-Pekka Konttila NTIS23K" userId="e6f772f8-63f0-4e1c-894c-6282194fae0e" providerId="ADAL" clId="{B8B10FE7-7FBE-41CD-B206-A398601245A1}" dt="2024-10-24T09:11:35.595" v="613" actId="20577"/>
-        <pc:sldMkLst>
-          <pc:docMk/>
-          <pc:sldMk cId="795598357" sldId="259"/>
-        </pc:sldMkLst>
-        <pc:spChg chg="mod">
-          <ac:chgData name="Arttu-Pekka Konttila NTIS23K" userId="e6f772f8-63f0-4e1c-894c-6282194fae0e" providerId="ADAL" clId="{B8B10FE7-7FBE-41CD-B206-A398601245A1}" dt="2024-10-24T09:11:35.595" v="613" actId="20577"/>
-          <ac:spMkLst>
-            <pc:docMk/>
-            <pc:sldMk cId="795598357" sldId="259"/>
-            <ac:spMk id="3" creationId="{D262D234-6172-1719-623D-6F9CA1159F1E}"/>
-          </ac:spMkLst>
-        </pc:spChg>
-      </pc:sldChg>
-      <pc:sldChg chg="modSp mod">
-        <pc:chgData name="Arttu-Pekka Konttila NTIS23K" userId="e6f772f8-63f0-4e1c-894c-6282194fae0e" providerId="ADAL" clId="{B8B10FE7-7FBE-41CD-B206-A398601245A1}" dt="2024-10-24T09:43:00.087" v="954" actId="20577"/>
-        <pc:sldMkLst>
-          <pc:docMk/>
-          <pc:sldMk cId="865553335" sldId="260"/>
-        </pc:sldMkLst>
-        <pc:spChg chg="mod">
-          <ac:chgData name="Arttu-Pekka Konttila NTIS23K" userId="e6f772f8-63f0-4e1c-894c-6282194fae0e" providerId="ADAL" clId="{B8B10FE7-7FBE-41CD-B206-A398601245A1}" dt="2024-10-24T09:43:00.087" v="954" actId="20577"/>
-          <ac:spMkLst>
-            <pc:docMk/>
-            <pc:sldMk cId="865553335" sldId="260"/>
-            <ac:spMk id="2" creationId="{8CA48BDD-899A-E4F2-4199-DABD244B367C}"/>
-          </ac:spMkLst>
-        </pc:spChg>
-        <pc:spChg chg="mod">
-          <ac:chgData name="Arttu-Pekka Konttila NTIS23K" userId="e6f772f8-63f0-4e1c-894c-6282194fae0e" providerId="ADAL" clId="{B8B10FE7-7FBE-41CD-B206-A398601245A1}" dt="2024-10-24T09:11:16.257" v="567" actId="20577"/>
-          <ac:spMkLst>
-            <pc:docMk/>
-            <pc:sldMk cId="865553335" sldId="260"/>
-            <ac:spMk id="3" creationId="{1EAB6FA4-98BF-41CC-FB6A-DEE55A893A1D}"/>
-          </ac:spMkLst>
-        </pc:spChg>
-      </pc:sldChg>
-      <pc:sldChg chg="modSp mod">
-        <pc:chgData name="Arttu-Pekka Konttila NTIS23K" userId="e6f772f8-63f0-4e1c-894c-6282194fae0e" providerId="ADAL" clId="{B8B10FE7-7FBE-41CD-B206-A398601245A1}" dt="2024-10-24T09:42:32.819" v="915" actId="20577"/>
-        <pc:sldMkLst>
-          <pc:docMk/>
-          <pc:sldMk cId="1183947148" sldId="262"/>
-        </pc:sldMkLst>
-        <pc:spChg chg="mod">
-          <ac:chgData name="Arttu-Pekka Konttila NTIS23K" userId="e6f772f8-63f0-4e1c-894c-6282194fae0e" providerId="ADAL" clId="{B8B10FE7-7FBE-41CD-B206-A398601245A1}" dt="2024-10-24T09:42:32.819" v="915" actId="20577"/>
-          <ac:spMkLst>
-            <pc:docMk/>
-            <pc:sldMk cId="1183947148" sldId="262"/>
-            <ac:spMk id="2" creationId="{F2FDD93D-9046-5908-CE7C-9B46F3086C97}"/>
-          </ac:spMkLst>
-        </pc:spChg>
-        <pc:spChg chg="mod">
-          <ac:chgData name="Arttu-Pekka Konttila NTIS23K" userId="e6f772f8-63f0-4e1c-894c-6282194fae0e" providerId="ADAL" clId="{B8B10FE7-7FBE-41CD-B206-A398601245A1}" dt="2024-10-24T09:39:29.823" v="902" actId="20577"/>
-          <ac:spMkLst>
-            <pc:docMk/>
-            <pc:sldMk cId="1183947148" sldId="262"/>
-            <ac:spMk id="3" creationId="{4362A553-4582-A8AF-566C-39884FB3AF29}"/>
-          </ac:spMkLst>
-        </pc:spChg>
-      </pc:sldChg>
-      <pc:sldChg chg="modSp new mod">
-        <pc:chgData name="Arttu-Pekka Konttila NTIS23K" userId="e6f772f8-63f0-4e1c-894c-6282194fae0e" providerId="ADAL" clId="{B8B10FE7-7FBE-41CD-B206-A398601245A1}" dt="2024-10-24T09:46:26.668" v="1516" actId="20577"/>
-        <pc:sldMkLst>
-          <pc:docMk/>
-          <pc:sldMk cId="356304046" sldId="264"/>
-        </pc:sldMkLst>
-        <pc:spChg chg="mod">
-          <ac:chgData name="Arttu-Pekka Konttila NTIS23K" userId="e6f772f8-63f0-4e1c-894c-6282194fae0e" providerId="ADAL" clId="{B8B10FE7-7FBE-41CD-B206-A398601245A1}" dt="2024-10-24T09:44:21.698" v="1239" actId="20577"/>
-          <ac:spMkLst>
-            <pc:docMk/>
-            <pc:sldMk cId="356304046" sldId="264"/>
-            <ac:spMk id="2" creationId="{AF5ECB88-C326-D7D6-31B3-BD8B6CE28528}"/>
-          </ac:spMkLst>
-        </pc:spChg>
-        <pc:spChg chg="mod">
-          <ac:chgData name="Arttu-Pekka Konttila NTIS23K" userId="e6f772f8-63f0-4e1c-894c-6282194fae0e" providerId="ADAL" clId="{B8B10FE7-7FBE-41CD-B206-A398601245A1}" dt="2024-10-24T09:46:26.668" v="1516" actId="20577"/>
-          <ac:spMkLst>
-            <pc:docMk/>
-            <pc:sldMk cId="356304046" sldId="264"/>
-            <ac:spMk id="3" creationId="{10CA373F-BA6B-D2CD-7576-28531B6348C8}"/>
-          </ac:spMkLst>
-        </pc:spChg>
-      </pc:sldChg>
-      <pc:sldChg chg="modSp new mod">
-        <pc:chgData name="Arttu-Pekka Konttila NTIS23K" userId="e6f772f8-63f0-4e1c-894c-6282194fae0e" providerId="ADAL" clId="{B8B10FE7-7FBE-41CD-B206-A398601245A1}" dt="2024-10-24T09:50:37.871" v="1683" actId="20577"/>
-        <pc:sldMkLst>
-          <pc:docMk/>
-          <pc:sldMk cId="3050558285" sldId="265"/>
-        </pc:sldMkLst>
-        <pc:spChg chg="mod">
-          <ac:chgData name="Arttu-Pekka Konttila NTIS23K" userId="e6f772f8-63f0-4e1c-894c-6282194fae0e" providerId="ADAL" clId="{B8B10FE7-7FBE-41CD-B206-A398601245A1}" dt="2024-10-24T09:44:27.588" v="1246" actId="20577"/>
-          <ac:spMkLst>
-            <pc:docMk/>
-            <pc:sldMk cId="3050558285" sldId="265"/>
-            <ac:spMk id="2" creationId="{91FAABBD-971A-7770-A00C-85CED21275CF}"/>
-          </ac:spMkLst>
-        </pc:spChg>
-        <pc:spChg chg="mod">
-          <ac:chgData name="Arttu-Pekka Konttila NTIS23K" userId="e6f772f8-63f0-4e1c-894c-6282194fae0e" providerId="ADAL" clId="{B8B10FE7-7FBE-41CD-B206-A398601245A1}" dt="2024-10-24T09:50:37.871" v="1683" actId="20577"/>
-          <ac:spMkLst>
-            <pc:docMk/>
-            <pc:sldMk cId="3050558285" sldId="265"/>
-            <ac:spMk id="3" creationId="{AB081519-299E-7E9F-3425-3B2BFD5FDF96}"/>
-          </ac:spMkLst>
-        </pc:spChg>
-      </pc:sldChg>
-    </pc:docChg>
-  </pc:docChgLst>
   <pc:docChgLst>
     <pc:chgData name="Kristofer Maripuu NTIS23K" userId="71a55778-79da-49f0-9317-2fd8a84fc771" providerId="ADAL" clId="{83A41A49-D2A8-4246-9EC8-A893254D3B78}"/>
     <pc:docChg chg="custSel addSld delSld modSld">
@@ -865,93 +236,6 @@
     </pc:docChg>
   </pc:docChgLst>
   <pc:docChgLst>
-    <pc:chgData name="Riku Lind NTIS23K" userId="S::riku.lind@centria.fi::f72659f3-3a53-4274-b8f5-9c24ac1908c3" providerId="AD" clId="Web-{F85092F3-BA31-6DD8-E1F6-8CC30A3D7549}"/>
-    <pc:docChg chg="modSld">
-      <pc:chgData name="Riku Lind NTIS23K" userId="S::riku.lind@centria.fi::f72659f3-3a53-4274-b8f5-9c24ac1908c3" providerId="AD" clId="Web-{F85092F3-BA31-6DD8-E1F6-8CC30A3D7549}" dt="2024-11-28T12:12:10.690" v="9" actId="20577"/>
-      <pc:docMkLst>
-        <pc:docMk/>
-      </pc:docMkLst>
-      <pc:sldChg chg="modSp">
-        <pc:chgData name="Riku Lind NTIS23K" userId="S::riku.lind@centria.fi::f72659f3-3a53-4274-b8f5-9c24ac1908c3" providerId="AD" clId="Web-{F85092F3-BA31-6DD8-E1F6-8CC30A3D7549}" dt="2024-11-28T12:12:10.690" v="9" actId="20577"/>
-        <pc:sldMkLst>
-          <pc:docMk/>
-          <pc:sldMk cId="3519715500" sldId="261"/>
-        </pc:sldMkLst>
-        <pc:graphicFrameChg chg="modGraphic">
-          <ac:chgData name="Riku Lind NTIS23K" userId="S::riku.lind@centria.fi::f72659f3-3a53-4274-b8f5-9c24ac1908c3" providerId="AD" clId="Web-{F85092F3-BA31-6DD8-E1F6-8CC30A3D7549}" dt="2024-11-28T12:12:10.690" v="9" actId="20577"/>
-          <ac:graphicFrameMkLst>
-            <pc:docMk/>
-            <pc:sldMk cId="3519715500" sldId="261"/>
-            <ac:graphicFrameMk id="25" creationId="{A8812034-06A2-7EE7-ACC8-0909BE20992A}"/>
-          </ac:graphicFrameMkLst>
-        </pc:graphicFrameChg>
-      </pc:sldChg>
-      <pc:sldChg chg="modSp">
-        <pc:chgData name="Riku Lind NTIS23K" userId="S::riku.lind@centria.fi::f72659f3-3a53-4274-b8f5-9c24ac1908c3" providerId="AD" clId="Web-{F85092F3-BA31-6DD8-E1F6-8CC30A3D7549}" dt="2024-11-28T12:10:41.606" v="6" actId="20577"/>
-        <pc:sldMkLst>
-          <pc:docMk/>
-          <pc:sldMk cId="3656617626" sldId="268"/>
-        </pc:sldMkLst>
-        <pc:spChg chg="mod">
-          <ac:chgData name="Riku Lind NTIS23K" userId="S::riku.lind@centria.fi::f72659f3-3a53-4274-b8f5-9c24ac1908c3" providerId="AD" clId="Web-{F85092F3-BA31-6DD8-E1F6-8CC30A3D7549}" dt="2024-11-28T12:10:41.606" v="6" actId="20577"/>
-          <ac:spMkLst>
-            <pc:docMk/>
-            <pc:sldMk cId="3656617626" sldId="268"/>
-            <ac:spMk id="3" creationId="{D42B3434-B77F-DF96-83A6-7F9CFC8967CA}"/>
-          </ac:spMkLst>
-        </pc:spChg>
-      </pc:sldChg>
-    </pc:docChg>
-  </pc:docChgLst>
-  <pc:docChgLst>
-    <pc:chgData name="Kristofer Maripuu NTIS23K" userId="S::kristofer.maripuu@centria.fi::71a55778-79da-49f0-9317-2fd8a84fc771" providerId="AD" clId="Web-{C4A0A5D7-006E-EBD3-7AAF-FFD35ED2E3B5}"/>
-    <pc:docChg chg="modSld">
-      <pc:chgData name="Kristofer Maripuu NTIS23K" userId="S::kristofer.maripuu@centria.fi::71a55778-79da-49f0-9317-2fd8a84fc771" providerId="AD" clId="Web-{C4A0A5D7-006E-EBD3-7AAF-FFD35ED2E3B5}" dt="2024-11-06T15:00:00.793" v="9" actId="20577"/>
-      <pc:docMkLst>
-        <pc:docMk/>
-      </pc:docMkLst>
-      <pc:sldChg chg="modSp">
-        <pc:chgData name="Kristofer Maripuu NTIS23K" userId="S::kristofer.maripuu@centria.fi::71a55778-79da-49f0-9317-2fd8a84fc771" providerId="AD" clId="Web-{C4A0A5D7-006E-EBD3-7AAF-FFD35ED2E3B5}" dt="2024-11-06T15:00:00.793" v="9" actId="20577"/>
-        <pc:sldMkLst>
-          <pc:docMk/>
-          <pc:sldMk cId="428294279" sldId="266"/>
-        </pc:sldMkLst>
-        <pc:spChg chg="mod">
-          <ac:chgData name="Kristofer Maripuu NTIS23K" userId="S::kristofer.maripuu@centria.fi::71a55778-79da-49f0-9317-2fd8a84fc771" providerId="AD" clId="Web-{C4A0A5D7-006E-EBD3-7AAF-FFD35ED2E3B5}" dt="2024-11-06T15:00:00.793" v="9" actId="20577"/>
-          <ac:spMkLst>
-            <pc:docMk/>
-            <pc:sldMk cId="428294279" sldId="266"/>
-            <ac:spMk id="3" creationId="{C40FA910-81A2-F189-11C0-480BBC81BD85}"/>
-          </ac:spMkLst>
-        </pc:spChg>
-      </pc:sldChg>
-    </pc:docChg>
-  </pc:docChgLst>
-  <pc:docChgLst>
-    <pc:chgData name="Riku Lind NTIS23K" userId="S::riku.lind@centria.fi::f72659f3-3a53-4274-b8f5-9c24ac1908c3" providerId="AD" clId="Web-{0D7EFB2A-34DE-1D60-540B-2F74107FE55B}"/>
-    <pc:docChg chg="modSld">
-      <pc:chgData name="Riku Lind NTIS23K" userId="S::riku.lind@centria.fi::f72659f3-3a53-4274-b8f5-9c24ac1908c3" providerId="AD" clId="Web-{0D7EFB2A-34DE-1D60-540B-2F74107FE55B}" dt="2024-11-07T11:06:06.703" v="6" actId="20577"/>
-      <pc:docMkLst>
-        <pc:docMk/>
-      </pc:docMkLst>
-      <pc:sldChg chg="modSp">
-        <pc:chgData name="Riku Lind NTIS23K" userId="S::riku.lind@centria.fi::f72659f3-3a53-4274-b8f5-9c24ac1908c3" providerId="AD" clId="Web-{0D7EFB2A-34DE-1D60-540B-2F74107FE55B}" dt="2024-11-07T11:06:06.703" v="6" actId="20577"/>
-        <pc:sldMkLst>
-          <pc:docMk/>
-          <pc:sldMk cId="428294279" sldId="266"/>
-        </pc:sldMkLst>
-        <pc:spChg chg="mod">
-          <ac:chgData name="Riku Lind NTIS23K" userId="S::riku.lind@centria.fi::f72659f3-3a53-4274-b8f5-9c24ac1908c3" providerId="AD" clId="Web-{0D7EFB2A-34DE-1D60-540B-2F74107FE55B}" dt="2024-11-07T11:06:06.703" v="6" actId="20577"/>
-          <ac:spMkLst>
-            <pc:docMk/>
-            <pc:sldMk cId="428294279" sldId="266"/>
-            <ac:spMk id="2" creationId="{E06A1FAC-4AF4-F485-0E24-A517C4BCAD75}"/>
-          </ac:spMkLst>
-        </pc:spChg>
-      </pc:sldChg>
-    </pc:docChg>
-  </pc:docChgLst>
-  <pc:docChgLst>
     <pc:chgData name="Kristofer Maripuu NTIS23K" userId="S::kristofer.maripuu@centria.fi::71a55778-79da-49f0-9317-2fd8a84fc771" providerId="AD" clId="Web-{9AFB8E23-A3D8-5ABA-8AAD-0B86342DA255}"/>
     <pc:docChg chg="modSld">
       <pc:chgData name="Kristofer Maripuu NTIS23K" userId="S::kristofer.maripuu@centria.fi::71a55778-79da-49f0-9317-2fd8a84fc771" providerId="AD" clId="Web-{9AFB8E23-A3D8-5ABA-8AAD-0B86342DA255}" dt="2024-10-26T20:47:19.286" v="3" actId="20577"/>
@@ -964,6 +248,30 @@
           <pc:docMk/>
           <pc:sldMk cId="3519715500" sldId="261"/>
         </pc:sldMkLst>
+      </pc:sldChg>
+    </pc:docChg>
+  </pc:docChgLst>
+  <pc:docChgLst>
+    <pc:chgData name="Arttu-Pekka Konttila NTIS23K" userId="e6f772f8-63f0-4e1c-894c-6282194fae0e" providerId="ADAL" clId="{A5ACCFBE-ED1C-4BC2-B338-B46515F31B0D}"/>
+    <pc:docChg chg="custSel modSld">
+      <pc:chgData name="Arttu-Pekka Konttila NTIS23K" userId="e6f772f8-63f0-4e1c-894c-6282194fae0e" providerId="ADAL" clId="{A5ACCFBE-ED1C-4BC2-B338-B46515F31B0D}" dt="2024-12-13T13:27:55.197" v="0" actId="478"/>
+      <pc:docMkLst>
+        <pc:docMk/>
+      </pc:docMkLst>
+      <pc:sldChg chg="delSp mod">
+        <pc:chgData name="Arttu-Pekka Konttila NTIS23K" userId="e6f772f8-63f0-4e1c-894c-6282194fae0e" providerId="ADAL" clId="{A5ACCFBE-ED1C-4BC2-B338-B46515F31B0D}" dt="2024-12-13T13:27:55.197" v="0" actId="478"/>
+        <pc:sldMkLst>
+          <pc:docMk/>
+          <pc:sldMk cId="24826804" sldId="258"/>
+        </pc:sldMkLst>
+        <pc:picChg chg="del">
+          <ac:chgData name="Arttu-Pekka Konttila NTIS23K" userId="e6f772f8-63f0-4e1c-894c-6282194fae0e" providerId="ADAL" clId="{A5ACCFBE-ED1C-4BC2-B338-B46515F31B0D}" dt="2024-12-13T13:27:55.197" v="0" actId="478"/>
+          <ac:picMkLst>
+            <pc:docMk/>
+            <pc:sldMk cId="24826804" sldId="258"/>
+            <ac:picMk id="9" creationId="{B6444143-913A-6ADF-1F0E-B83194121510}"/>
+          </ac:picMkLst>
+        </pc:picChg>
       </pc:sldChg>
     </pc:docChg>
   </pc:docChgLst>
@@ -986,6 +294,77 @@
             <pc:docMk/>
             <pc:sldMk cId="3519715500" sldId="261"/>
             <ac:spMk id="2" creationId="{72CCD19C-BEBB-D544-64AA-A6CC67217611}"/>
+          </ac:spMkLst>
+        </pc:spChg>
+      </pc:sldChg>
+    </pc:docChg>
+  </pc:docChgLst>
+  <pc:docChgLst>
+    <pc:chgData name="Kristofer Maripuu NTIS23K" userId="S::kristofer.maripuu@centria.fi::71a55778-79da-49f0-9317-2fd8a84fc771" providerId="AD" clId="Web-{55863410-99AD-4E50-9B80-9E51C679D125}"/>
+    <pc:docChg chg="modSld">
+      <pc:chgData name="Kristofer Maripuu NTIS23K" userId="S::kristofer.maripuu@centria.fi::71a55778-79da-49f0-9317-2fd8a84fc771" providerId="AD" clId="Web-{55863410-99AD-4E50-9B80-9E51C679D125}" dt="2024-12-13T12:56:13.861" v="1" actId="20577"/>
+      <pc:docMkLst>
+        <pc:docMk/>
+      </pc:docMkLst>
+      <pc:sldChg chg="modSp">
+        <pc:chgData name="Kristofer Maripuu NTIS23K" userId="S::kristofer.maripuu@centria.fi::71a55778-79da-49f0-9317-2fd8a84fc771" providerId="AD" clId="Web-{55863410-99AD-4E50-9B80-9E51C679D125}" dt="2024-12-13T12:56:13.861" v="1" actId="20577"/>
+        <pc:sldMkLst>
+          <pc:docMk/>
+          <pc:sldMk cId="428294279" sldId="266"/>
+        </pc:sldMkLst>
+        <pc:spChg chg="mod">
+          <ac:chgData name="Kristofer Maripuu NTIS23K" userId="S::kristofer.maripuu@centria.fi::71a55778-79da-49f0-9317-2fd8a84fc771" providerId="AD" clId="Web-{55863410-99AD-4E50-9B80-9E51C679D125}" dt="2024-12-13T12:56:13.861" v="1" actId="20577"/>
+          <ac:spMkLst>
+            <pc:docMk/>
+            <pc:sldMk cId="428294279" sldId="266"/>
+            <ac:spMk id="3" creationId="{C40FA910-81A2-F189-11C0-480BBC81BD85}"/>
+          </ac:spMkLst>
+        </pc:spChg>
+      </pc:sldChg>
+    </pc:docChg>
+  </pc:docChgLst>
+  <pc:docChgLst>
+    <pc:chgData name="Riku Lind NTIS23K" userId="S::riku.lind@centria.fi::f72659f3-3a53-4274-b8f5-9c24ac1908c3" providerId="AD" clId="Web-{8C93F78B-D474-1CB9-B8A9-4E97C9CF4C91}"/>
+    <pc:docChg chg="modSld">
+      <pc:chgData name="Riku Lind NTIS23K" userId="S::riku.lind@centria.fi::f72659f3-3a53-4274-b8f5-9c24ac1908c3" providerId="AD" clId="Web-{8C93F78B-D474-1CB9-B8A9-4E97C9CF4C91}" dt="2024-10-30T11:03:17.605" v="503" actId="14100"/>
+      <pc:docMkLst>
+        <pc:docMk/>
+      </pc:docMkLst>
+      <pc:sldChg chg="modSp">
+        <pc:chgData name="Riku Lind NTIS23K" userId="S::riku.lind@centria.fi::f72659f3-3a53-4274-b8f5-9c24ac1908c3" providerId="AD" clId="Web-{8C93F78B-D474-1CB9-B8A9-4E97C9CF4C91}" dt="2024-10-30T11:03:17.605" v="503" actId="14100"/>
+        <pc:sldMkLst>
+          <pc:docMk/>
+          <pc:sldMk cId="3519715500" sldId="261"/>
+        </pc:sldMkLst>
+        <pc:graphicFrameChg chg="mod modGraphic">
+          <ac:chgData name="Riku Lind NTIS23K" userId="S::riku.lind@centria.fi::f72659f3-3a53-4274-b8f5-9c24ac1908c3" providerId="AD" clId="Web-{8C93F78B-D474-1CB9-B8A9-4E97C9CF4C91}" dt="2024-10-30T11:03:17.605" v="503" actId="14100"/>
+          <ac:graphicFrameMkLst>
+            <pc:docMk/>
+            <pc:sldMk cId="3519715500" sldId="261"/>
+            <ac:graphicFrameMk id="25" creationId="{A8812034-06A2-7EE7-ACC8-0909BE20992A}"/>
+          </ac:graphicFrameMkLst>
+        </pc:graphicFrameChg>
+        <pc:picChg chg="mod">
+          <ac:chgData name="Riku Lind NTIS23K" userId="S::riku.lind@centria.fi::f72659f3-3a53-4274-b8f5-9c24ac1908c3" providerId="AD" clId="Web-{8C93F78B-D474-1CB9-B8A9-4E97C9CF4C91}" dt="2024-10-30T10:46:53.048" v="322" actId="14100"/>
+          <ac:picMkLst>
+            <pc:docMk/>
+            <pc:sldMk cId="3519715500" sldId="261"/>
+            <ac:picMk id="4" creationId="{E3977492-E35F-653C-014F-A746CED7DBE1}"/>
+          </ac:picMkLst>
+        </pc:picChg>
+      </pc:sldChg>
+      <pc:sldChg chg="modSp">
+        <pc:chgData name="Riku Lind NTIS23K" userId="S::riku.lind@centria.fi::f72659f3-3a53-4274-b8f5-9c24ac1908c3" providerId="AD" clId="Web-{8C93F78B-D474-1CB9-B8A9-4E97C9CF4C91}" dt="2024-10-30T10:53:56.713" v="474" actId="20577"/>
+        <pc:sldMkLst>
+          <pc:docMk/>
+          <pc:sldMk cId="428294279" sldId="266"/>
+        </pc:sldMkLst>
+        <pc:spChg chg="mod">
+          <ac:chgData name="Riku Lind NTIS23K" userId="S::riku.lind@centria.fi::f72659f3-3a53-4274-b8f5-9c24ac1908c3" providerId="AD" clId="Web-{8C93F78B-D474-1CB9-B8A9-4E97C9CF4C91}" dt="2024-10-30T10:53:56.713" v="474" actId="20577"/>
+          <ac:spMkLst>
+            <pc:docMk/>
+            <pc:sldMk cId="428294279" sldId="266"/>
+            <ac:spMk id="3" creationId="{C40FA910-81A2-F189-11C0-480BBC81BD85}"/>
           </ac:spMkLst>
         </pc:spChg>
       </pc:sldChg>
@@ -1554,6 +933,699 @@
             <pc:docMk/>
             <pc:sldMk cId="1560041306" sldId="271"/>
             <ac:spMk id="32" creationId="{827FF362-FC97-4BF5-949B-D4ADFA26E457}"/>
+          </ac:spMkLst>
+        </pc:spChg>
+      </pc:sldChg>
+    </pc:docChg>
+  </pc:docChgLst>
+  <pc:docChgLst>
+    <pc:chgData name="Kristofer Maripuu NTIS23K" userId="S::kristofer.maripuu@centria.fi::71a55778-79da-49f0-9317-2fd8a84fc771" providerId="AD" clId="Web-{86A1582C-FAE1-F9B5-FB43-4B01B58DF82B}"/>
+    <pc:docChg chg="addSld delSld modSld sldOrd">
+      <pc:chgData name="Kristofer Maripuu NTIS23K" userId="S::kristofer.maripuu@centria.fi::71a55778-79da-49f0-9317-2fd8a84fc771" providerId="AD" clId="Web-{86A1582C-FAE1-F9B5-FB43-4B01B58DF82B}" dt="2024-10-30T11:00:44.800" v="21"/>
+      <pc:docMkLst>
+        <pc:docMk/>
+      </pc:docMkLst>
+      <pc:sldChg chg="modSp">
+        <pc:chgData name="Kristofer Maripuu NTIS23K" userId="S::kristofer.maripuu@centria.fi::71a55778-79da-49f0-9317-2fd8a84fc771" providerId="AD" clId="Web-{86A1582C-FAE1-F9B5-FB43-4B01B58DF82B}" dt="2024-10-30T10:39:06.624" v="10" actId="20577"/>
+        <pc:sldMkLst>
+          <pc:docMk/>
+          <pc:sldMk cId="3519715500" sldId="261"/>
+        </pc:sldMkLst>
+      </pc:sldChg>
+      <pc:sldChg chg="modSp">
+        <pc:chgData name="Kristofer Maripuu NTIS23K" userId="S::kristofer.maripuu@centria.fi::71a55778-79da-49f0-9317-2fd8a84fc771" providerId="AD" clId="Web-{86A1582C-FAE1-F9B5-FB43-4B01B58DF82B}" dt="2024-10-30T10:39:12.280" v="14" actId="20577"/>
+        <pc:sldMkLst>
+          <pc:docMk/>
+          <pc:sldMk cId="428294279" sldId="266"/>
+        </pc:sldMkLst>
+        <pc:spChg chg="mod">
+          <ac:chgData name="Kristofer Maripuu NTIS23K" userId="S::kristofer.maripuu@centria.fi::71a55778-79da-49f0-9317-2fd8a84fc771" providerId="AD" clId="Web-{86A1582C-FAE1-F9B5-FB43-4B01B58DF82B}" dt="2024-10-30T10:39:12.280" v="14" actId="20577"/>
+          <ac:spMkLst>
+            <pc:docMk/>
+            <pc:sldMk cId="428294279" sldId="266"/>
+            <ac:spMk id="3" creationId="{C40FA910-81A2-F189-11C0-480BBC81BD85}"/>
+          </ac:spMkLst>
+        </pc:spChg>
+      </pc:sldChg>
+      <pc:sldChg chg="modSp new del ord">
+        <pc:chgData name="Kristofer Maripuu NTIS23K" userId="S::kristofer.maripuu@centria.fi::71a55778-79da-49f0-9317-2fd8a84fc771" providerId="AD" clId="Web-{86A1582C-FAE1-F9B5-FB43-4B01B58DF82B}" dt="2024-10-30T10:56:28.200" v="19"/>
+        <pc:sldMkLst>
+          <pc:docMk/>
+          <pc:sldMk cId="2009633531" sldId="267"/>
+        </pc:sldMkLst>
+      </pc:sldChg>
+      <pc:sldChg chg="modSp new">
+        <pc:chgData name="Kristofer Maripuu NTIS23K" userId="S::kristofer.maripuu@centria.fi::71a55778-79da-49f0-9317-2fd8a84fc771" providerId="AD" clId="Web-{86A1582C-FAE1-F9B5-FB43-4B01B58DF82B}" dt="2024-10-30T11:00:44.456" v="20" actId="20577"/>
+        <pc:sldMkLst>
+          <pc:docMk/>
+          <pc:sldMk cId="3656617626" sldId="268"/>
+        </pc:sldMkLst>
+        <pc:spChg chg="mod">
+          <ac:chgData name="Kristofer Maripuu NTIS23K" userId="S::kristofer.maripuu@centria.fi::71a55778-79da-49f0-9317-2fd8a84fc771" providerId="AD" clId="Web-{86A1582C-FAE1-F9B5-FB43-4B01B58DF82B}" dt="2024-10-30T11:00:44.456" v="20" actId="20577"/>
+          <ac:spMkLst>
+            <pc:docMk/>
+            <pc:sldMk cId="3656617626" sldId="268"/>
+            <ac:spMk id="2" creationId="{CDE5E0AA-D6B9-E2DC-D6DC-6BC05DCA6E20}"/>
+          </ac:spMkLst>
+        </pc:spChg>
+      </pc:sldChg>
+      <pc:sldChg chg="new">
+        <pc:chgData name="Kristofer Maripuu NTIS23K" userId="S::kristofer.maripuu@centria.fi::71a55778-79da-49f0-9317-2fd8a84fc771" providerId="AD" clId="Web-{86A1582C-FAE1-F9B5-FB43-4B01B58DF82B}" dt="2024-10-30T11:00:44.800" v="21"/>
+        <pc:sldMkLst>
+          <pc:docMk/>
+          <pc:sldMk cId="1372172750" sldId="269"/>
+        </pc:sldMkLst>
+      </pc:sldChg>
+    </pc:docChg>
+  </pc:docChgLst>
+  <pc:docChgLst>
+    <pc:chgData name="Arttu-Pekka Konttila NTIS23K" userId="e6f772f8-63f0-4e1c-894c-6282194fae0e" providerId="ADAL" clId="{B8B10FE7-7FBE-41CD-B206-A398601245A1}"/>
+    <pc:docChg chg="custSel addSld modSld">
+      <pc:chgData name="Arttu-Pekka Konttila NTIS23K" userId="e6f772f8-63f0-4e1c-894c-6282194fae0e" providerId="ADAL" clId="{B8B10FE7-7FBE-41CD-B206-A398601245A1}" dt="2024-10-24T09:50:37.871" v="1683" actId="20577"/>
+      <pc:docMkLst>
+        <pc:docMk/>
+      </pc:docMkLst>
+      <pc:sldChg chg="modSp mod">
+        <pc:chgData name="Arttu-Pekka Konttila NTIS23K" userId="e6f772f8-63f0-4e1c-894c-6282194fae0e" providerId="ADAL" clId="{B8B10FE7-7FBE-41CD-B206-A398601245A1}" dt="2024-10-24T09:11:35.595" v="613" actId="20577"/>
+        <pc:sldMkLst>
+          <pc:docMk/>
+          <pc:sldMk cId="795598357" sldId="259"/>
+        </pc:sldMkLst>
+        <pc:spChg chg="mod">
+          <ac:chgData name="Arttu-Pekka Konttila NTIS23K" userId="e6f772f8-63f0-4e1c-894c-6282194fae0e" providerId="ADAL" clId="{B8B10FE7-7FBE-41CD-B206-A398601245A1}" dt="2024-10-24T09:11:35.595" v="613" actId="20577"/>
+          <ac:spMkLst>
+            <pc:docMk/>
+            <pc:sldMk cId="795598357" sldId="259"/>
+            <ac:spMk id="3" creationId="{D262D234-6172-1719-623D-6F9CA1159F1E}"/>
+          </ac:spMkLst>
+        </pc:spChg>
+      </pc:sldChg>
+      <pc:sldChg chg="modSp mod">
+        <pc:chgData name="Arttu-Pekka Konttila NTIS23K" userId="e6f772f8-63f0-4e1c-894c-6282194fae0e" providerId="ADAL" clId="{B8B10FE7-7FBE-41CD-B206-A398601245A1}" dt="2024-10-24T09:43:00.087" v="954" actId="20577"/>
+        <pc:sldMkLst>
+          <pc:docMk/>
+          <pc:sldMk cId="865553335" sldId="260"/>
+        </pc:sldMkLst>
+        <pc:spChg chg="mod">
+          <ac:chgData name="Arttu-Pekka Konttila NTIS23K" userId="e6f772f8-63f0-4e1c-894c-6282194fae0e" providerId="ADAL" clId="{B8B10FE7-7FBE-41CD-B206-A398601245A1}" dt="2024-10-24T09:43:00.087" v="954" actId="20577"/>
+          <ac:spMkLst>
+            <pc:docMk/>
+            <pc:sldMk cId="865553335" sldId="260"/>
+            <ac:spMk id="2" creationId="{8CA48BDD-899A-E4F2-4199-DABD244B367C}"/>
+          </ac:spMkLst>
+        </pc:spChg>
+        <pc:spChg chg="mod">
+          <ac:chgData name="Arttu-Pekka Konttila NTIS23K" userId="e6f772f8-63f0-4e1c-894c-6282194fae0e" providerId="ADAL" clId="{B8B10FE7-7FBE-41CD-B206-A398601245A1}" dt="2024-10-24T09:11:16.257" v="567" actId="20577"/>
+          <ac:spMkLst>
+            <pc:docMk/>
+            <pc:sldMk cId="865553335" sldId="260"/>
+            <ac:spMk id="3" creationId="{1EAB6FA4-98BF-41CC-FB6A-DEE55A893A1D}"/>
+          </ac:spMkLst>
+        </pc:spChg>
+      </pc:sldChg>
+      <pc:sldChg chg="modSp mod">
+        <pc:chgData name="Arttu-Pekka Konttila NTIS23K" userId="e6f772f8-63f0-4e1c-894c-6282194fae0e" providerId="ADAL" clId="{B8B10FE7-7FBE-41CD-B206-A398601245A1}" dt="2024-10-24T09:42:32.819" v="915" actId="20577"/>
+        <pc:sldMkLst>
+          <pc:docMk/>
+          <pc:sldMk cId="1183947148" sldId="262"/>
+        </pc:sldMkLst>
+        <pc:spChg chg="mod">
+          <ac:chgData name="Arttu-Pekka Konttila NTIS23K" userId="e6f772f8-63f0-4e1c-894c-6282194fae0e" providerId="ADAL" clId="{B8B10FE7-7FBE-41CD-B206-A398601245A1}" dt="2024-10-24T09:42:32.819" v="915" actId="20577"/>
+          <ac:spMkLst>
+            <pc:docMk/>
+            <pc:sldMk cId="1183947148" sldId="262"/>
+            <ac:spMk id="2" creationId="{F2FDD93D-9046-5908-CE7C-9B46F3086C97}"/>
+          </ac:spMkLst>
+        </pc:spChg>
+        <pc:spChg chg="mod">
+          <ac:chgData name="Arttu-Pekka Konttila NTIS23K" userId="e6f772f8-63f0-4e1c-894c-6282194fae0e" providerId="ADAL" clId="{B8B10FE7-7FBE-41CD-B206-A398601245A1}" dt="2024-10-24T09:39:29.823" v="902" actId="20577"/>
+          <ac:spMkLst>
+            <pc:docMk/>
+            <pc:sldMk cId="1183947148" sldId="262"/>
+            <ac:spMk id="3" creationId="{4362A553-4582-A8AF-566C-39884FB3AF29}"/>
+          </ac:spMkLst>
+        </pc:spChg>
+      </pc:sldChg>
+      <pc:sldChg chg="modSp new mod">
+        <pc:chgData name="Arttu-Pekka Konttila NTIS23K" userId="e6f772f8-63f0-4e1c-894c-6282194fae0e" providerId="ADAL" clId="{B8B10FE7-7FBE-41CD-B206-A398601245A1}" dt="2024-10-24T09:46:26.668" v="1516" actId="20577"/>
+        <pc:sldMkLst>
+          <pc:docMk/>
+          <pc:sldMk cId="356304046" sldId="264"/>
+        </pc:sldMkLst>
+        <pc:spChg chg="mod">
+          <ac:chgData name="Arttu-Pekka Konttila NTIS23K" userId="e6f772f8-63f0-4e1c-894c-6282194fae0e" providerId="ADAL" clId="{B8B10FE7-7FBE-41CD-B206-A398601245A1}" dt="2024-10-24T09:44:21.698" v="1239" actId="20577"/>
+          <ac:spMkLst>
+            <pc:docMk/>
+            <pc:sldMk cId="356304046" sldId="264"/>
+            <ac:spMk id="2" creationId="{AF5ECB88-C326-D7D6-31B3-BD8B6CE28528}"/>
+          </ac:spMkLst>
+        </pc:spChg>
+        <pc:spChg chg="mod">
+          <ac:chgData name="Arttu-Pekka Konttila NTIS23K" userId="e6f772f8-63f0-4e1c-894c-6282194fae0e" providerId="ADAL" clId="{B8B10FE7-7FBE-41CD-B206-A398601245A1}" dt="2024-10-24T09:46:26.668" v="1516" actId="20577"/>
+          <ac:spMkLst>
+            <pc:docMk/>
+            <pc:sldMk cId="356304046" sldId="264"/>
+            <ac:spMk id="3" creationId="{10CA373F-BA6B-D2CD-7576-28531B6348C8}"/>
+          </ac:spMkLst>
+        </pc:spChg>
+      </pc:sldChg>
+      <pc:sldChg chg="modSp new mod">
+        <pc:chgData name="Arttu-Pekka Konttila NTIS23K" userId="e6f772f8-63f0-4e1c-894c-6282194fae0e" providerId="ADAL" clId="{B8B10FE7-7FBE-41CD-B206-A398601245A1}" dt="2024-10-24T09:50:37.871" v="1683" actId="20577"/>
+        <pc:sldMkLst>
+          <pc:docMk/>
+          <pc:sldMk cId="3050558285" sldId="265"/>
+        </pc:sldMkLst>
+        <pc:spChg chg="mod">
+          <ac:chgData name="Arttu-Pekka Konttila NTIS23K" userId="e6f772f8-63f0-4e1c-894c-6282194fae0e" providerId="ADAL" clId="{B8B10FE7-7FBE-41CD-B206-A398601245A1}" dt="2024-10-24T09:44:27.588" v="1246" actId="20577"/>
+          <ac:spMkLst>
+            <pc:docMk/>
+            <pc:sldMk cId="3050558285" sldId="265"/>
+            <ac:spMk id="2" creationId="{91FAABBD-971A-7770-A00C-85CED21275CF}"/>
+          </ac:spMkLst>
+        </pc:spChg>
+        <pc:spChg chg="mod">
+          <ac:chgData name="Arttu-Pekka Konttila NTIS23K" userId="e6f772f8-63f0-4e1c-894c-6282194fae0e" providerId="ADAL" clId="{B8B10FE7-7FBE-41CD-B206-A398601245A1}" dt="2024-10-24T09:50:37.871" v="1683" actId="20577"/>
+          <ac:spMkLst>
+            <pc:docMk/>
+            <pc:sldMk cId="3050558285" sldId="265"/>
+            <ac:spMk id="3" creationId="{AB081519-299E-7E9F-3425-3B2BFD5FDF96}"/>
+          </ac:spMkLst>
+        </pc:spChg>
+      </pc:sldChg>
+    </pc:docChg>
+  </pc:docChgLst>
+  <pc:docChgLst>
+    <pc:chgData name="Riku Lind NTIS23K" userId="S::riku.lind@centria.fi::f72659f3-3a53-4274-b8f5-9c24ac1908c3" providerId="AD" clId="Web-{F85092F3-BA31-6DD8-E1F6-8CC30A3D7549}"/>
+    <pc:docChg chg="modSld">
+      <pc:chgData name="Riku Lind NTIS23K" userId="S::riku.lind@centria.fi::f72659f3-3a53-4274-b8f5-9c24ac1908c3" providerId="AD" clId="Web-{F85092F3-BA31-6DD8-E1F6-8CC30A3D7549}" dt="2024-11-28T12:12:10.690" v="9" actId="20577"/>
+      <pc:docMkLst>
+        <pc:docMk/>
+      </pc:docMkLst>
+      <pc:sldChg chg="modSp">
+        <pc:chgData name="Riku Lind NTIS23K" userId="S::riku.lind@centria.fi::f72659f3-3a53-4274-b8f5-9c24ac1908c3" providerId="AD" clId="Web-{F85092F3-BA31-6DD8-E1F6-8CC30A3D7549}" dt="2024-11-28T12:12:10.690" v="9" actId="20577"/>
+        <pc:sldMkLst>
+          <pc:docMk/>
+          <pc:sldMk cId="3519715500" sldId="261"/>
+        </pc:sldMkLst>
+        <pc:graphicFrameChg chg="modGraphic">
+          <ac:chgData name="Riku Lind NTIS23K" userId="S::riku.lind@centria.fi::f72659f3-3a53-4274-b8f5-9c24ac1908c3" providerId="AD" clId="Web-{F85092F3-BA31-6DD8-E1F6-8CC30A3D7549}" dt="2024-11-28T12:12:10.690" v="9" actId="20577"/>
+          <ac:graphicFrameMkLst>
+            <pc:docMk/>
+            <pc:sldMk cId="3519715500" sldId="261"/>
+            <ac:graphicFrameMk id="25" creationId="{A8812034-06A2-7EE7-ACC8-0909BE20992A}"/>
+          </ac:graphicFrameMkLst>
+        </pc:graphicFrameChg>
+      </pc:sldChg>
+      <pc:sldChg chg="modSp">
+        <pc:chgData name="Riku Lind NTIS23K" userId="S::riku.lind@centria.fi::f72659f3-3a53-4274-b8f5-9c24ac1908c3" providerId="AD" clId="Web-{F85092F3-BA31-6DD8-E1F6-8CC30A3D7549}" dt="2024-11-28T12:10:41.606" v="6" actId="20577"/>
+        <pc:sldMkLst>
+          <pc:docMk/>
+          <pc:sldMk cId="3656617626" sldId="268"/>
+        </pc:sldMkLst>
+        <pc:spChg chg="mod">
+          <ac:chgData name="Riku Lind NTIS23K" userId="S::riku.lind@centria.fi::f72659f3-3a53-4274-b8f5-9c24ac1908c3" providerId="AD" clId="Web-{F85092F3-BA31-6DD8-E1F6-8CC30A3D7549}" dt="2024-11-28T12:10:41.606" v="6" actId="20577"/>
+          <ac:spMkLst>
+            <pc:docMk/>
+            <pc:sldMk cId="3656617626" sldId="268"/>
+            <ac:spMk id="3" creationId="{D42B3434-B77F-DF96-83A6-7F9CFC8967CA}"/>
+          </ac:spMkLst>
+        </pc:spChg>
+      </pc:sldChg>
+    </pc:docChg>
+  </pc:docChgLst>
+  <pc:docChgLst>
+    <pc:chgData name="Kristofer Maripuu NTIS23K" userId="S::kristofer.maripuu@centria.fi::71a55778-79da-49f0-9317-2fd8a84fc771" providerId="AD" clId="Web-{C4A0A5D7-006E-EBD3-7AAF-FFD35ED2E3B5}"/>
+    <pc:docChg chg="modSld">
+      <pc:chgData name="Kristofer Maripuu NTIS23K" userId="S::kristofer.maripuu@centria.fi::71a55778-79da-49f0-9317-2fd8a84fc771" providerId="AD" clId="Web-{C4A0A5D7-006E-EBD3-7AAF-FFD35ED2E3B5}" dt="2024-11-06T15:00:00.793" v="9" actId="20577"/>
+      <pc:docMkLst>
+        <pc:docMk/>
+      </pc:docMkLst>
+      <pc:sldChg chg="modSp">
+        <pc:chgData name="Kristofer Maripuu NTIS23K" userId="S::kristofer.maripuu@centria.fi::71a55778-79da-49f0-9317-2fd8a84fc771" providerId="AD" clId="Web-{C4A0A5D7-006E-EBD3-7AAF-FFD35ED2E3B5}" dt="2024-11-06T15:00:00.793" v="9" actId="20577"/>
+        <pc:sldMkLst>
+          <pc:docMk/>
+          <pc:sldMk cId="428294279" sldId="266"/>
+        </pc:sldMkLst>
+        <pc:spChg chg="mod">
+          <ac:chgData name="Kristofer Maripuu NTIS23K" userId="S::kristofer.maripuu@centria.fi::71a55778-79da-49f0-9317-2fd8a84fc771" providerId="AD" clId="Web-{C4A0A5D7-006E-EBD3-7AAF-FFD35ED2E3B5}" dt="2024-11-06T15:00:00.793" v="9" actId="20577"/>
+          <ac:spMkLst>
+            <pc:docMk/>
+            <pc:sldMk cId="428294279" sldId="266"/>
+            <ac:spMk id="3" creationId="{C40FA910-81A2-F189-11C0-480BBC81BD85}"/>
+          </ac:spMkLst>
+        </pc:spChg>
+      </pc:sldChg>
+    </pc:docChg>
+  </pc:docChgLst>
+  <pc:docChgLst>
+    <pc:chgData name="Kristofer Maripuu NTIS23K" userId="S::kristofer.maripuu@centria.fi::71a55778-79da-49f0-9317-2fd8a84fc771" providerId="AD" clId="Web-{3878BCC5-CB67-E3F2-B1A6-EAB1A0B589F1}"/>
+    <pc:docChg chg="modSld sldOrd">
+      <pc:chgData name="Kristofer Maripuu NTIS23K" userId="S::kristofer.maripuu@centria.fi::71a55778-79da-49f0-9317-2fd8a84fc771" providerId="AD" clId="Web-{3878BCC5-CB67-E3F2-B1A6-EAB1A0B589F1}" dt="2024-11-28T12:38:35.608" v="326"/>
+      <pc:docMkLst>
+        <pc:docMk/>
+      </pc:docMkLst>
+      <pc:sldChg chg="ord">
+        <pc:chgData name="Kristofer Maripuu NTIS23K" userId="S::kristofer.maripuu@centria.fi::71a55778-79da-49f0-9317-2fd8a84fc771" providerId="AD" clId="Web-{3878BCC5-CB67-E3F2-B1A6-EAB1A0B589F1}" dt="2024-11-28T12:38:35.608" v="326"/>
+        <pc:sldMkLst>
+          <pc:docMk/>
+          <pc:sldMk cId="1560041306" sldId="271"/>
+        </pc:sldMkLst>
+      </pc:sldChg>
+      <pc:sldChg chg="modSp">
+        <pc:chgData name="Kristofer Maripuu NTIS23K" userId="S::kristofer.maripuu@centria.fi::71a55778-79da-49f0-9317-2fd8a84fc771" providerId="AD" clId="Web-{3878BCC5-CB67-E3F2-B1A6-EAB1A0B589F1}" dt="2024-11-28T12:36:57.932" v="324" actId="20577"/>
+        <pc:sldMkLst>
+          <pc:docMk/>
+          <pc:sldMk cId="1802322523" sldId="272"/>
+        </pc:sldMkLst>
+        <pc:spChg chg="mod">
+          <ac:chgData name="Kristofer Maripuu NTIS23K" userId="S::kristofer.maripuu@centria.fi::71a55778-79da-49f0-9317-2fd8a84fc771" providerId="AD" clId="Web-{3878BCC5-CB67-E3F2-B1A6-EAB1A0B589F1}" dt="2024-11-28T12:36:57.932" v="324" actId="20577"/>
+          <ac:spMkLst>
+            <pc:docMk/>
+            <pc:sldMk cId="1802322523" sldId="272"/>
+            <ac:spMk id="3" creationId="{16A8E584-1B3D-1C7D-0DCC-87AF0A7945EE}"/>
+          </ac:spMkLst>
+        </pc:spChg>
+      </pc:sldChg>
+    </pc:docChg>
+  </pc:docChgLst>
+  <pc:docChgLst>
+    <pc:chgData name="Riku Lind NTIS23K" userId="S::riku.lind@centria.fi::f72659f3-3a53-4274-b8f5-9c24ac1908c3" providerId="AD" clId="Web-{0D7EFB2A-34DE-1D60-540B-2F74107FE55B}"/>
+    <pc:docChg chg="modSld">
+      <pc:chgData name="Riku Lind NTIS23K" userId="S::riku.lind@centria.fi::f72659f3-3a53-4274-b8f5-9c24ac1908c3" providerId="AD" clId="Web-{0D7EFB2A-34DE-1D60-540B-2F74107FE55B}" dt="2024-11-07T11:06:06.703" v="6" actId="20577"/>
+      <pc:docMkLst>
+        <pc:docMk/>
+      </pc:docMkLst>
+      <pc:sldChg chg="modSp">
+        <pc:chgData name="Riku Lind NTIS23K" userId="S::riku.lind@centria.fi::f72659f3-3a53-4274-b8f5-9c24ac1908c3" providerId="AD" clId="Web-{0D7EFB2A-34DE-1D60-540B-2F74107FE55B}" dt="2024-11-07T11:06:06.703" v="6" actId="20577"/>
+        <pc:sldMkLst>
+          <pc:docMk/>
+          <pc:sldMk cId="428294279" sldId="266"/>
+        </pc:sldMkLst>
+        <pc:spChg chg="mod">
+          <ac:chgData name="Riku Lind NTIS23K" userId="S::riku.lind@centria.fi::f72659f3-3a53-4274-b8f5-9c24ac1908c3" providerId="AD" clId="Web-{0D7EFB2A-34DE-1D60-540B-2F74107FE55B}" dt="2024-11-07T11:06:06.703" v="6" actId="20577"/>
+          <ac:spMkLst>
+            <pc:docMk/>
+            <pc:sldMk cId="428294279" sldId="266"/>
+            <ac:spMk id="2" creationId="{E06A1FAC-4AF4-F485-0E24-A517C4BCAD75}"/>
+          </ac:spMkLst>
+        </pc:spChg>
+      </pc:sldChg>
+    </pc:docChg>
+  </pc:docChgLst>
+  <pc:docChgLst>
+    <pc:chgData name="Kristofer Maripuu NTIS23K" userId="S::kristofer.maripuu@centria.fi::71a55778-79da-49f0-9317-2fd8a84fc771" providerId="AD" clId="Web-{4324E239-032E-DA0D-7BAD-FD83245B688E}"/>
+    <pc:docChg chg="addSld modSld">
+      <pc:chgData name="Kristofer Maripuu NTIS23K" userId="S::kristofer.maripuu@centria.fi::71a55778-79da-49f0-9317-2fd8a84fc771" providerId="AD" clId="Web-{4324E239-032E-DA0D-7BAD-FD83245B688E}" dt="2024-11-14T12:05:23.672" v="432" actId="20577"/>
+      <pc:docMkLst>
+        <pc:docMk/>
+      </pc:docMkLst>
+      <pc:sldChg chg="modSp">
+        <pc:chgData name="Kristofer Maripuu NTIS23K" userId="S::kristofer.maripuu@centria.fi::71a55778-79da-49f0-9317-2fd8a84fc771" providerId="AD" clId="Web-{4324E239-032E-DA0D-7BAD-FD83245B688E}" dt="2024-11-14T11:56:32.605" v="363" actId="20577"/>
+        <pc:sldMkLst>
+          <pc:docMk/>
+          <pc:sldMk cId="428294279" sldId="266"/>
+        </pc:sldMkLst>
+        <pc:spChg chg="mod">
+          <ac:chgData name="Kristofer Maripuu NTIS23K" userId="S::kristofer.maripuu@centria.fi::71a55778-79da-49f0-9317-2fd8a84fc771" providerId="AD" clId="Web-{4324E239-032E-DA0D-7BAD-FD83245B688E}" dt="2024-11-14T11:56:32.605" v="363" actId="20577"/>
+          <ac:spMkLst>
+            <pc:docMk/>
+            <pc:sldMk cId="428294279" sldId="266"/>
+            <ac:spMk id="3" creationId="{C40FA910-81A2-F189-11C0-480BBC81BD85}"/>
+          </ac:spMkLst>
+        </pc:spChg>
+      </pc:sldChg>
+      <pc:sldChg chg="modSp">
+        <pc:chgData name="Kristofer Maripuu NTIS23K" userId="S::kristofer.maripuu@centria.fi::71a55778-79da-49f0-9317-2fd8a84fc771" providerId="AD" clId="Web-{4324E239-032E-DA0D-7BAD-FD83245B688E}" dt="2024-11-14T11:45:00.235" v="289" actId="20577"/>
+        <pc:sldMkLst>
+          <pc:docMk/>
+          <pc:sldMk cId="3656617626" sldId="268"/>
+        </pc:sldMkLst>
+        <pc:spChg chg="mod">
+          <ac:chgData name="Kristofer Maripuu NTIS23K" userId="S::kristofer.maripuu@centria.fi::71a55778-79da-49f0-9317-2fd8a84fc771" providerId="AD" clId="Web-{4324E239-032E-DA0D-7BAD-FD83245B688E}" dt="2024-11-14T11:45:00.235" v="289" actId="20577"/>
+          <ac:spMkLst>
+            <pc:docMk/>
+            <pc:sldMk cId="3656617626" sldId="268"/>
+            <ac:spMk id="3" creationId="{D42B3434-B77F-DF96-83A6-7F9CFC8967CA}"/>
+          </ac:spMkLst>
+        </pc:spChg>
+      </pc:sldChg>
+      <pc:sldChg chg="modSp new">
+        <pc:chgData name="Kristofer Maripuu NTIS23K" userId="S::kristofer.maripuu@centria.fi::71a55778-79da-49f0-9317-2fd8a84fc771" providerId="AD" clId="Web-{4324E239-032E-DA0D-7BAD-FD83245B688E}" dt="2024-11-14T11:45:19.079" v="301" actId="20577"/>
+        <pc:sldMkLst>
+          <pc:docMk/>
+          <pc:sldMk cId="164250223" sldId="269"/>
+        </pc:sldMkLst>
+      </pc:sldChg>
+      <pc:sldChg chg="modSp new">
+        <pc:chgData name="Kristofer Maripuu NTIS23K" userId="S::kristofer.maripuu@centria.fi::71a55778-79da-49f0-9317-2fd8a84fc771" providerId="AD" clId="Web-{4324E239-032E-DA0D-7BAD-FD83245B688E}" dt="2024-11-14T11:46:29.660" v="315" actId="20577"/>
+        <pc:sldMkLst>
+          <pc:docMk/>
+          <pc:sldMk cId="3567148358" sldId="270"/>
+        </pc:sldMkLst>
+        <pc:spChg chg="mod">
+          <ac:chgData name="Kristofer Maripuu NTIS23K" userId="S::kristofer.maripuu@centria.fi::71a55778-79da-49f0-9317-2fd8a84fc771" providerId="AD" clId="Web-{4324E239-032E-DA0D-7BAD-FD83245B688E}" dt="2024-11-14T11:46:29.660" v="315" actId="20577"/>
+          <ac:spMkLst>
+            <pc:docMk/>
+            <pc:sldMk cId="3567148358" sldId="270"/>
+            <ac:spMk id="2" creationId="{13E24E39-C5B0-758A-A81F-B6CC5D736F58}"/>
+          </ac:spMkLst>
+        </pc:spChg>
+      </pc:sldChg>
+      <pc:sldChg chg="modSp new">
+        <pc:chgData name="Kristofer Maripuu NTIS23K" userId="S::kristofer.maripuu@centria.fi::71a55778-79da-49f0-9317-2fd8a84fc771" providerId="AD" clId="Web-{4324E239-032E-DA0D-7BAD-FD83245B688E}" dt="2024-11-14T12:04:27.326" v="430" actId="20577"/>
+        <pc:sldMkLst>
+          <pc:docMk/>
+          <pc:sldMk cId="1560041306" sldId="271"/>
+        </pc:sldMkLst>
+        <pc:spChg chg="mod">
+          <ac:chgData name="Kristofer Maripuu NTIS23K" userId="S::kristofer.maripuu@centria.fi::71a55778-79da-49f0-9317-2fd8a84fc771" providerId="AD" clId="Web-{4324E239-032E-DA0D-7BAD-FD83245B688E}" dt="2024-11-14T11:54:27.679" v="346" actId="20577"/>
+          <ac:spMkLst>
+            <pc:docMk/>
+            <pc:sldMk cId="1560041306" sldId="271"/>
+            <ac:spMk id="2" creationId="{2F20A240-BE0A-A244-DD40-AC56B1E47540}"/>
+          </ac:spMkLst>
+        </pc:spChg>
+        <pc:spChg chg="mod">
+          <ac:chgData name="Kristofer Maripuu NTIS23K" userId="S::kristofer.maripuu@centria.fi::71a55778-79da-49f0-9317-2fd8a84fc771" providerId="AD" clId="Web-{4324E239-032E-DA0D-7BAD-FD83245B688E}" dt="2024-11-14T12:04:27.326" v="430" actId="20577"/>
+          <ac:spMkLst>
+            <pc:docMk/>
+            <pc:sldMk cId="1560041306" sldId="271"/>
+            <ac:spMk id="3" creationId="{084BF8A4-E85F-0877-7089-C3BECB8ED320}"/>
+          </ac:spMkLst>
+        </pc:spChg>
+      </pc:sldChg>
+      <pc:sldChg chg="modSp new">
+        <pc:chgData name="Kristofer Maripuu NTIS23K" userId="S::kristofer.maripuu@centria.fi::71a55778-79da-49f0-9317-2fd8a84fc771" providerId="AD" clId="Web-{4324E239-032E-DA0D-7BAD-FD83245B688E}" dt="2024-11-14T12:05:23.672" v="432" actId="20577"/>
+        <pc:sldMkLst>
+          <pc:docMk/>
+          <pc:sldMk cId="1802322523" sldId="272"/>
+        </pc:sldMkLst>
+        <pc:spChg chg="mod">
+          <ac:chgData name="Kristofer Maripuu NTIS23K" userId="S::kristofer.maripuu@centria.fi::71a55778-79da-49f0-9317-2fd8a84fc771" providerId="AD" clId="Web-{4324E239-032E-DA0D-7BAD-FD83245B688E}" dt="2024-11-14T12:05:23.672" v="432" actId="20577"/>
+          <ac:spMkLst>
+            <pc:docMk/>
+            <pc:sldMk cId="1802322523" sldId="272"/>
+            <ac:spMk id="2" creationId="{24971B75-DFC6-8BBD-5287-FE6E93E39855}"/>
+          </ac:spMkLst>
+        </pc:spChg>
+      </pc:sldChg>
+    </pc:docChg>
+  </pc:docChgLst>
+  <pc:docChgLst>
+    <pc:chgData name="Kristofer Maripuu NTIS23K" userId="S::kristofer.maripuu@centria.fi::71a55778-79da-49f0-9317-2fd8a84fc771" providerId="AD" clId="Web-{63C55323-9EEB-B40C-EFD8-427D19934AC7}"/>
+    <pc:docChg chg="modSld">
+      <pc:chgData name="Kristofer Maripuu NTIS23K" userId="S::kristofer.maripuu@centria.fi::71a55778-79da-49f0-9317-2fd8a84fc771" providerId="AD" clId="Web-{63C55323-9EEB-B40C-EFD8-427D19934AC7}" dt="2024-12-15T16:08:05.114" v="73" actId="20577"/>
+      <pc:docMkLst>
+        <pc:docMk/>
+      </pc:docMkLst>
+      <pc:sldChg chg="delSp modSp">
+        <pc:chgData name="Kristofer Maripuu NTIS23K" userId="S::kristofer.maripuu@centria.fi::71a55778-79da-49f0-9317-2fd8a84fc771" providerId="AD" clId="Web-{63C55323-9EEB-B40C-EFD8-427D19934AC7}" dt="2024-12-15T15:03:12.834" v="63" actId="20577"/>
+        <pc:sldMkLst>
+          <pc:docMk/>
+          <pc:sldMk cId="3656617626" sldId="268"/>
+        </pc:sldMkLst>
+        <pc:spChg chg="mod">
+          <ac:chgData name="Kristofer Maripuu NTIS23K" userId="S::kristofer.maripuu@centria.fi::71a55778-79da-49f0-9317-2fd8a84fc771" providerId="AD" clId="Web-{63C55323-9EEB-B40C-EFD8-427D19934AC7}" dt="2024-12-15T15:03:12.834" v="63" actId="20577"/>
+          <ac:spMkLst>
+            <pc:docMk/>
+            <pc:sldMk cId="3656617626" sldId="268"/>
+            <ac:spMk id="3" creationId="{D42B3434-B77F-DF96-83A6-7F9CFC8967CA}"/>
+          </ac:spMkLst>
+        </pc:spChg>
+        <pc:spChg chg="del">
+          <ac:chgData name="Kristofer Maripuu NTIS23K" userId="S::kristofer.maripuu@centria.fi::71a55778-79da-49f0-9317-2fd8a84fc771" providerId="AD" clId="Web-{63C55323-9EEB-B40C-EFD8-427D19934AC7}" dt="2024-12-15T13:03:37.423" v="3"/>
+          <ac:spMkLst>
+            <pc:docMk/>
+            <pc:sldMk cId="3656617626" sldId="268"/>
+            <ac:spMk id="4" creationId="{9475DD2C-A63E-E6AD-6591-4CAF74858B4B}"/>
+          </ac:spMkLst>
+        </pc:spChg>
+      </pc:sldChg>
+      <pc:sldChg chg="modSp">
+        <pc:chgData name="Kristofer Maripuu NTIS23K" userId="S::kristofer.maripuu@centria.fi::71a55778-79da-49f0-9317-2fd8a84fc771" providerId="AD" clId="Web-{63C55323-9EEB-B40C-EFD8-427D19934AC7}" dt="2024-12-15T16:08:05.114" v="73" actId="20577"/>
+        <pc:sldMkLst>
+          <pc:docMk/>
+          <pc:sldMk cId="1560041306" sldId="271"/>
+        </pc:sldMkLst>
+        <pc:spChg chg="mod">
+          <ac:chgData name="Kristofer Maripuu NTIS23K" userId="S::kristofer.maripuu@centria.fi::71a55778-79da-49f0-9317-2fd8a84fc771" providerId="AD" clId="Web-{63C55323-9EEB-B40C-EFD8-427D19934AC7}" dt="2024-12-15T16:08:05.114" v="73" actId="20577"/>
+          <ac:spMkLst>
+            <pc:docMk/>
+            <pc:sldMk cId="1560041306" sldId="271"/>
+            <ac:spMk id="3" creationId="{084BF8A4-E85F-0877-7089-C3BECB8ED320}"/>
+          </ac:spMkLst>
+        </pc:spChg>
+      </pc:sldChg>
+    </pc:docChg>
+  </pc:docChgLst>
+  <pc:docChgLst>
+    <pc:chgData name="Ghaith Kelil NTIS23K" userId="S::ghaith.kelil@centria.fi::795ce611-fec5-4e8c-949e-d653e4854143" providerId="AD" clId="Web-{0A9C63CF-0DA7-6084-DB92-4D795A992439}"/>
+    <pc:docChg chg="modSld">
+      <pc:chgData name="Ghaith Kelil NTIS23K" userId="S::ghaith.kelil@centria.fi::795ce611-fec5-4e8c-949e-d653e4854143" providerId="AD" clId="Web-{0A9C63CF-0DA7-6084-DB92-4D795A992439}" dt="2024-12-16T12:35:03.571" v="1" actId="20577"/>
+      <pc:docMkLst>
+        <pc:docMk/>
+      </pc:docMkLst>
+      <pc:sldChg chg="modSp">
+        <pc:chgData name="Ghaith Kelil NTIS23K" userId="S::ghaith.kelil@centria.fi::795ce611-fec5-4e8c-949e-d653e4854143" providerId="AD" clId="Web-{0A9C63CF-0DA7-6084-DB92-4D795A992439}" dt="2024-12-16T12:35:03.571" v="1" actId="20577"/>
+        <pc:sldMkLst>
+          <pc:docMk/>
+          <pc:sldMk cId="1560041306" sldId="271"/>
+        </pc:sldMkLst>
+        <pc:spChg chg="mod">
+          <ac:chgData name="Ghaith Kelil NTIS23K" userId="S::ghaith.kelil@centria.fi::795ce611-fec5-4e8c-949e-d653e4854143" providerId="AD" clId="Web-{0A9C63CF-0DA7-6084-DB92-4D795A992439}" dt="2024-12-16T12:35:03.571" v="1" actId="20577"/>
+          <ac:spMkLst>
+            <pc:docMk/>
+            <pc:sldMk cId="1560041306" sldId="271"/>
+            <ac:spMk id="3" creationId="{084BF8A4-E85F-0877-7089-C3BECB8ED320}"/>
+          </ac:spMkLst>
+        </pc:spChg>
+      </pc:sldChg>
+    </pc:docChg>
+  </pc:docChgLst>
+  <pc:docChgLst>
+    <pc:chgData name="Arttu-Pekka Konttila NTIS23K" userId="e6f772f8-63f0-4e1c-894c-6282194fae0e" providerId="ADAL" clId="{BD25C746-5EEC-42C9-90F9-242F8CFAAF4E}"/>
+    <pc:docChg chg="undo custSel addSld delSld modSld sldOrd">
+      <pc:chgData name="Arttu-Pekka Konttila NTIS23K" userId="e6f772f8-63f0-4e1c-894c-6282194fae0e" providerId="ADAL" clId="{BD25C746-5EEC-42C9-90F9-242F8CFAAF4E}" dt="2024-11-28T12:39:07.799" v="2670"/>
+      <pc:docMkLst>
+        <pc:docMk/>
+      </pc:docMkLst>
+      <pc:sldChg chg="addSp delSp modSp mod">
+        <pc:chgData name="Arttu-Pekka Konttila NTIS23K" userId="e6f772f8-63f0-4e1c-894c-6282194fae0e" providerId="ADAL" clId="{BD25C746-5EEC-42C9-90F9-242F8CFAAF4E}" dt="2024-10-23T09:57:24.779" v="1106" actId="1076"/>
+        <pc:sldMkLst>
+          <pc:docMk/>
+          <pc:sldMk cId="2996447219" sldId="256"/>
+        </pc:sldMkLst>
+      </pc:sldChg>
+      <pc:sldChg chg="addSp modSp new mod">
+        <pc:chgData name="Arttu-Pekka Konttila NTIS23K" userId="e6f772f8-63f0-4e1c-894c-6282194fae0e" providerId="ADAL" clId="{BD25C746-5EEC-42C9-90F9-242F8CFAAF4E}" dt="2024-10-23T10:12:34.496" v="1363" actId="1076"/>
+        <pc:sldMkLst>
+          <pc:docMk/>
+          <pc:sldMk cId="1996207643" sldId="257"/>
+        </pc:sldMkLst>
+        <pc:spChg chg="mod">
+          <ac:chgData name="Arttu-Pekka Konttila NTIS23K" userId="e6f772f8-63f0-4e1c-894c-6282194fae0e" providerId="ADAL" clId="{BD25C746-5EEC-42C9-90F9-242F8CFAAF4E}" dt="2024-10-23T09:32:02.511" v="157" actId="20577"/>
+          <ac:spMkLst>
+            <pc:docMk/>
+            <pc:sldMk cId="1996207643" sldId="257"/>
+            <ac:spMk id="2" creationId="{2B72BA98-46CC-2829-68B3-FA7994BFD8BB}"/>
+          </ac:spMkLst>
+        </pc:spChg>
+        <pc:spChg chg="mod">
+          <ac:chgData name="Arttu-Pekka Konttila NTIS23K" userId="e6f772f8-63f0-4e1c-894c-6282194fae0e" providerId="ADAL" clId="{BD25C746-5EEC-42C9-90F9-242F8CFAAF4E}" dt="2024-10-23T09:35:59.881" v="499" actId="20577"/>
+          <ac:spMkLst>
+            <pc:docMk/>
+            <pc:sldMk cId="1996207643" sldId="257"/>
+            <ac:spMk id="3" creationId="{33CEC444-A545-7836-2945-7D1B03F7CDC4}"/>
+          </ac:spMkLst>
+        </pc:spChg>
+        <pc:picChg chg="add mod">
+          <ac:chgData name="Arttu-Pekka Konttila NTIS23K" userId="e6f772f8-63f0-4e1c-894c-6282194fae0e" providerId="ADAL" clId="{BD25C746-5EEC-42C9-90F9-242F8CFAAF4E}" dt="2024-10-23T10:12:34.496" v="1363" actId="1076"/>
+          <ac:picMkLst>
+            <pc:docMk/>
+            <pc:sldMk cId="1996207643" sldId="257"/>
+            <ac:picMk id="4" creationId="{B3EF514E-B43F-E225-CC27-B28EC01B39B1}"/>
+          </ac:picMkLst>
+        </pc:picChg>
+      </pc:sldChg>
+      <pc:sldChg chg="modSp mod">
+        <pc:chgData name="Arttu-Pekka Konttila NTIS23K" userId="e6f772f8-63f0-4e1c-894c-6282194fae0e" providerId="ADAL" clId="{BD25C746-5EEC-42C9-90F9-242F8CFAAF4E}" dt="2024-10-23T09:41:24.260" v="909" actId="20577"/>
+        <pc:sldMkLst>
+          <pc:docMk/>
+          <pc:sldMk cId="24826804" sldId="258"/>
+        </pc:sldMkLst>
+        <pc:spChg chg="mod">
+          <ac:chgData name="Arttu-Pekka Konttila NTIS23K" userId="e6f772f8-63f0-4e1c-894c-6282194fae0e" providerId="ADAL" clId="{BD25C746-5EEC-42C9-90F9-242F8CFAAF4E}" dt="2024-10-23T09:41:24.260" v="909" actId="20577"/>
+          <ac:spMkLst>
+            <pc:docMk/>
+            <pc:sldMk cId="24826804" sldId="258"/>
+            <ac:spMk id="3" creationId="{918AEDB8-A560-F8F6-ABD8-35354E40325F}"/>
+          </ac:spMkLst>
+        </pc:spChg>
+      </pc:sldChg>
+      <pc:sldChg chg="modSp mod">
+        <pc:chgData name="Arttu-Pekka Konttila NTIS23K" userId="e6f772f8-63f0-4e1c-894c-6282194fae0e" providerId="ADAL" clId="{BD25C746-5EEC-42C9-90F9-242F8CFAAF4E}" dt="2024-10-23T09:57:57.126" v="1125" actId="20577"/>
+        <pc:sldMkLst>
+          <pc:docMk/>
+          <pc:sldMk cId="795598357" sldId="259"/>
+        </pc:sldMkLst>
+        <pc:spChg chg="mod">
+          <ac:chgData name="Arttu-Pekka Konttila NTIS23K" userId="e6f772f8-63f0-4e1c-894c-6282194fae0e" providerId="ADAL" clId="{BD25C746-5EEC-42C9-90F9-242F8CFAAF4E}" dt="2024-10-23T09:57:57.126" v="1125" actId="20577"/>
+          <ac:spMkLst>
+            <pc:docMk/>
+            <pc:sldMk cId="795598357" sldId="259"/>
+            <ac:spMk id="2" creationId="{C35B4AFE-EED1-39DD-7163-E5B99DE5F573}"/>
+          </ac:spMkLst>
+        </pc:spChg>
+        <pc:spChg chg="mod">
+          <ac:chgData name="Arttu-Pekka Konttila NTIS23K" userId="e6f772f8-63f0-4e1c-894c-6282194fae0e" providerId="ADAL" clId="{BD25C746-5EEC-42C9-90F9-242F8CFAAF4E}" dt="2024-10-23T09:53:47.998" v="1092" actId="14"/>
+          <ac:spMkLst>
+            <pc:docMk/>
+            <pc:sldMk cId="795598357" sldId="259"/>
+            <ac:spMk id="3" creationId="{D262D234-6172-1719-623D-6F9CA1159F1E}"/>
+          </ac:spMkLst>
+        </pc:spChg>
+      </pc:sldChg>
+      <pc:sldChg chg="modSp mod">
+        <pc:chgData name="Arttu-Pekka Konttila NTIS23K" userId="e6f772f8-63f0-4e1c-894c-6282194fae0e" providerId="ADAL" clId="{BD25C746-5EEC-42C9-90F9-242F8CFAAF4E}" dt="2024-11-28T12:17:08.892" v="2660" actId="20577"/>
+        <pc:sldMkLst>
+          <pc:docMk/>
+          <pc:sldMk cId="865553335" sldId="260"/>
+        </pc:sldMkLst>
+        <pc:spChg chg="mod">
+          <ac:chgData name="Arttu-Pekka Konttila NTIS23K" userId="e6f772f8-63f0-4e1c-894c-6282194fae0e" providerId="ADAL" clId="{BD25C746-5EEC-42C9-90F9-242F8CFAAF4E}" dt="2024-10-23T09:58:24.107" v="1173" actId="20577"/>
+          <ac:spMkLst>
+            <pc:docMk/>
+            <pc:sldMk cId="865553335" sldId="260"/>
+            <ac:spMk id="2" creationId="{8CA48BDD-899A-E4F2-4199-DABD244B367C}"/>
+          </ac:spMkLst>
+        </pc:spChg>
+        <pc:spChg chg="mod">
+          <ac:chgData name="Arttu-Pekka Konttila NTIS23K" userId="e6f772f8-63f0-4e1c-894c-6282194fae0e" providerId="ADAL" clId="{BD25C746-5EEC-42C9-90F9-242F8CFAAF4E}" dt="2024-11-28T12:17:08.892" v="2660" actId="20577"/>
+          <ac:spMkLst>
+            <pc:docMk/>
+            <pc:sldMk cId="865553335" sldId="260"/>
+            <ac:spMk id="3" creationId="{1EAB6FA4-98BF-41CC-FB6A-DEE55A893A1D}"/>
+          </ac:spMkLst>
+        </pc:spChg>
+      </pc:sldChg>
+      <pc:sldChg chg="modSp new mod">
+        <pc:chgData name="Arttu-Pekka Konttila NTIS23K" userId="e6f772f8-63f0-4e1c-894c-6282194fae0e" providerId="ADAL" clId="{BD25C746-5EEC-42C9-90F9-242F8CFAAF4E}" dt="2024-10-30T10:52:08.511" v="1364" actId="1076"/>
+        <pc:sldMkLst>
+          <pc:docMk/>
+          <pc:sldMk cId="1183947148" sldId="262"/>
+        </pc:sldMkLst>
+        <pc:spChg chg="mod">
+          <ac:chgData name="Arttu-Pekka Konttila NTIS23K" userId="e6f772f8-63f0-4e1c-894c-6282194fae0e" providerId="ADAL" clId="{BD25C746-5EEC-42C9-90F9-242F8CFAAF4E}" dt="2024-10-23T10:03:58.274" v="1205" actId="20577"/>
+          <ac:spMkLst>
+            <pc:docMk/>
+            <pc:sldMk cId="1183947148" sldId="262"/>
+            <ac:spMk id="2" creationId="{F2FDD93D-9046-5908-CE7C-9B46F3086C97}"/>
+          </ac:spMkLst>
+        </pc:spChg>
+        <pc:spChg chg="mod">
+          <ac:chgData name="Arttu-Pekka Konttila NTIS23K" userId="e6f772f8-63f0-4e1c-894c-6282194fae0e" providerId="ADAL" clId="{BD25C746-5EEC-42C9-90F9-242F8CFAAF4E}" dt="2024-10-30T10:52:08.511" v="1364" actId="1076"/>
+          <ac:spMkLst>
+            <pc:docMk/>
+            <pc:sldMk cId="1183947148" sldId="262"/>
+            <ac:spMk id="3" creationId="{4362A553-4582-A8AF-566C-39884FB3AF29}"/>
+          </ac:spMkLst>
+        </pc:spChg>
+      </pc:sldChg>
+      <pc:sldChg chg="addSp delSp modSp mod">
+        <pc:chgData name="Arttu-Pekka Konttila NTIS23K" userId="e6f772f8-63f0-4e1c-894c-6282194fae0e" providerId="ADAL" clId="{BD25C746-5EEC-42C9-90F9-242F8CFAAF4E}" dt="2024-10-23T10:10:24.356" v="1362" actId="14100"/>
+        <pc:sldMkLst>
+          <pc:docMk/>
+          <pc:sldMk cId="0" sldId="263"/>
+        </pc:sldMkLst>
+        <pc:spChg chg="mod">
+          <ac:chgData name="Arttu-Pekka Konttila NTIS23K" userId="e6f772f8-63f0-4e1c-894c-6282194fae0e" providerId="ADAL" clId="{BD25C746-5EEC-42C9-90F9-242F8CFAAF4E}" dt="2024-10-23T10:09:08.488" v="1353" actId="1076"/>
+          <ac:spMkLst>
+            <pc:docMk/>
+            <pc:sldMk cId="0" sldId="263"/>
+            <ac:spMk id="2" creationId="{00000000-0000-0000-0000-000000000000}"/>
+          </ac:spMkLst>
+        </pc:spChg>
+      </pc:sldChg>
+      <pc:sldChg chg="modSp mod">
+        <pc:chgData name="Arttu-Pekka Konttila NTIS23K" userId="e6f772f8-63f0-4e1c-894c-6282194fae0e" providerId="ADAL" clId="{BD25C746-5EEC-42C9-90F9-242F8CFAAF4E}" dt="2024-11-28T12:16:55.840" v="2659" actId="20577"/>
+        <pc:sldMkLst>
+          <pc:docMk/>
+          <pc:sldMk cId="3050558285" sldId="265"/>
+        </pc:sldMkLst>
+        <pc:spChg chg="mod">
+          <ac:chgData name="Arttu-Pekka Konttila NTIS23K" userId="e6f772f8-63f0-4e1c-894c-6282194fae0e" providerId="ADAL" clId="{BD25C746-5EEC-42C9-90F9-242F8CFAAF4E}" dt="2024-11-28T12:16:55.840" v="2659" actId="20577"/>
+          <ac:spMkLst>
+            <pc:docMk/>
+            <pc:sldMk cId="3050558285" sldId="265"/>
+            <ac:spMk id="3" creationId="{AB081519-299E-7E9F-3425-3B2BFD5FDF96}"/>
+          </ac:spMkLst>
+        </pc:spChg>
+      </pc:sldChg>
+      <pc:sldChg chg="ord">
+        <pc:chgData name="Arttu-Pekka Konttila NTIS23K" userId="e6f772f8-63f0-4e1c-894c-6282194fae0e" providerId="ADAL" clId="{BD25C746-5EEC-42C9-90F9-242F8CFAAF4E}" dt="2024-11-28T12:39:07.799" v="2670"/>
+        <pc:sldMkLst>
+          <pc:docMk/>
+          <pc:sldMk cId="3656617626" sldId="268"/>
+        </pc:sldMkLst>
+      </pc:sldChg>
+      <pc:sldChg chg="del">
+        <pc:chgData name="Arttu-Pekka Konttila NTIS23K" userId="e6f772f8-63f0-4e1c-894c-6282194fae0e" providerId="ADAL" clId="{BD25C746-5EEC-42C9-90F9-242F8CFAAF4E}" dt="2024-11-14T11:15:05.492" v="1365" actId="2696"/>
+        <pc:sldMkLst>
+          <pc:docMk/>
+          <pc:sldMk cId="1372172750" sldId="269"/>
+        </pc:sldMkLst>
+      </pc:sldChg>
+      <pc:sldChg chg="modSp mod ord">
+        <pc:chgData name="Arttu-Pekka Konttila NTIS23K" userId="e6f772f8-63f0-4e1c-894c-6282194fae0e" providerId="ADAL" clId="{BD25C746-5EEC-42C9-90F9-242F8CFAAF4E}" dt="2024-11-28T12:39:03.879" v="2666"/>
+        <pc:sldMkLst>
+          <pc:docMk/>
+          <pc:sldMk cId="3567148358" sldId="270"/>
+        </pc:sldMkLst>
+        <pc:spChg chg="mod">
+          <ac:chgData name="Arttu-Pekka Konttila NTIS23K" userId="e6f772f8-63f0-4e1c-894c-6282194fae0e" providerId="ADAL" clId="{BD25C746-5EEC-42C9-90F9-242F8CFAAF4E}" dt="2024-11-14T11:50:31.495" v="1732" actId="20577"/>
+          <ac:spMkLst>
+            <pc:docMk/>
+            <pc:sldMk cId="3567148358" sldId="270"/>
+            <ac:spMk id="3" creationId="{E7533368-086E-3FD8-11D4-C5E4A0112392}"/>
+          </ac:spMkLst>
+        </pc:spChg>
+      </pc:sldChg>
+      <pc:sldChg chg="modSp mod ord">
+        <pc:chgData name="Arttu-Pekka Konttila NTIS23K" userId="e6f772f8-63f0-4e1c-894c-6282194fae0e" providerId="ADAL" clId="{BD25C746-5EEC-42C9-90F9-242F8CFAAF4E}" dt="2024-11-28T12:39:06.097" v="2668"/>
+        <pc:sldMkLst>
+          <pc:docMk/>
+          <pc:sldMk cId="1560041306" sldId="271"/>
+        </pc:sldMkLst>
+        <pc:spChg chg="mod">
+          <ac:chgData name="Arttu-Pekka Konttila NTIS23K" userId="e6f772f8-63f0-4e1c-894c-6282194fae0e" providerId="ADAL" clId="{BD25C746-5EEC-42C9-90F9-242F8CFAAF4E}" dt="2024-11-14T12:04:52.315" v="2606" actId="20577"/>
+          <ac:spMkLst>
+            <pc:docMk/>
+            <pc:sldMk cId="1560041306" sldId="271"/>
+            <ac:spMk id="3" creationId="{084BF8A4-E85F-0877-7089-C3BECB8ED320}"/>
+          </ac:spMkLst>
+        </pc:spChg>
+      </pc:sldChg>
+    </pc:docChg>
+  </pc:docChgLst>
+  <pc:docChgLst>
+    <pc:chgData name="Kristofer Maripuu NTIS23K" userId="S::kristofer.maripuu@centria.fi::71a55778-79da-49f0-9317-2fd8a84fc771" providerId="AD" clId="Web-{A69CA0EB-26D0-1A37-F789-BBC3AA4F1027}"/>
+    <pc:docChg chg="addSld modSld">
+      <pc:chgData name="Kristofer Maripuu NTIS23K" userId="S::kristofer.maripuu@centria.fi::71a55778-79da-49f0-9317-2fd8a84fc771" providerId="AD" clId="Web-{A69CA0EB-26D0-1A37-F789-BBC3AA4F1027}" dt="2024-10-24T10:11:33.450" v="114" actId="1076"/>
+      <pc:docMkLst>
+        <pc:docMk/>
+      </pc:docMkLst>
+      <pc:sldChg chg="modSp new">
+        <pc:chgData name="Kristofer Maripuu NTIS23K" userId="S::kristofer.maripuu@centria.fi::71a55778-79da-49f0-9317-2fd8a84fc771" providerId="AD" clId="Web-{A69CA0EB-26D0-1A37-F789-BBC3AA4F1027}" dt="2024-10-24T09:57:30.035" v="113" actId="20577"/>
+        <pc:sldMkLst>
+          <pc:docMk/>
+          <pc:sldMk cId="428294279" sldId="266"/>
+        </pc:sldMkLst>
+        <pc:spChg chg="mod">
+          <ac:chgData name="Kristofer Maripuu NTIS23K" userId="S::kristofer.maripuu@centria.fi::71a55778-79da-49f0-9317-2fd8a84fc771" providerId="AD" clId="Web-{A69CA0EB-26D0-1A37-F789-BBC3AA4F1027}" dt="2024-10-24T09:57:30.035" v="113" actId="20577"/>
+          <ac:spMkLst>
+            <pc:docMk/>
+            <pc:sldMk cId="428294279" sldId="266"/>
+            <ac:spMk id="3" creationId="{C40FA910-81A2-F189-11C0-480BBC81BD85}"/>
           </ac:spMkLst>
         </pc:spChg>
       </pc:sldChg>
@@ -5632,7 +5704,7 @@
           <a:p>
             <a:fld id="{84687FAC-41F0-4880-8D1E-9357242CB1CB}" type="datetimeFigureOut">
               <a:rPr lang="fi-FI" smtClean="0"/>
-              <a:t>13.12.2024</a:t>
+              <a:t>16.12.2024</a:t>
             </a:fld>
             <a:endParaRPr lang="fi-FI"/>
           </a:p>
@@ -5800,7 +5872,7 @@
           <a:p>
             <a:fld id="{84687FAC-41F0-4880-8D1E-9357242CB1CB}" type="datetimeFigureOut">
               <a:rPr lang="fi-FI" smtClean="0"/>
-              <a:t>13.12.2024</a:t>
+              <a:t>16.12.2024</a:t>
             </a:fld>
             <a:endParaRPr lang="fi-FI"/>
           </a:p>
@@ -5978,7 +6050,7 @@
           <a:p>
             <a:fld id="{84687FAC-41F0-4880-8D1E-9357242CB1CB}" type="datetimeFigureOut">
               <a:rPr lang="fi-FI" smtClean="0"/>
-              <a:t>13.12.2024</a:t>
+              <a:t>16.12.2024</a:t>
             </a:fld>
             <a:endParaRPr lang="fi-FI"/>
           </a:p>
@@ -6146,7 +6218,7 @@
           <a:p>
             <a:fld id="{84687FAC-41F0-4880-8D1E-9357242CB1CB}" type="datetimeFigureOut">
               <a:rPr lang="fi-FI" smtClean="0"/>
-              <a:t>13.12.2024</a:t>
+              <a:t>16.12.2024</a:t>
             </a:fld>
             <a:endParaRPr lang="fi-FI"/>
           </a:p>
@@ -6391,7 +6463,7 @@
           <a:p>
             <a:fld id="{84687FAC-41F0-4880-8D1E-9357242CB1CB}" type="datetimeFigureOut">
               <a:rPr lang="fi-FI" smtClean="0"/>
-              <a:t>13.12.2024</a:t>
+              <a:t>16.12.2024</a:t>
             </a:fld>
             <a:endParaRPr lang="fi-FI"/>
           </a:p>
@@ -6620,7 +6692,7 @@
           <a:p>
             <a:fld id="{84687FAC-41F0-4880-8D1E-9357242CB1CB}" type="datetimeFigureOut">
               <a:rPr lang="fi-FI" smtClean="0"/>
-              <a:t>13.12.2024</a:t>
+              <a:t>16.12.2024</a:t>
             </a:fld>
             <a:endParaRPr lang="fi-FI"/>
           </a:p>
@@ -6984,7 +7056,7 @@
           <a:p>
             <a:fld id="{84687FAC-41F0-4880-8D1E-9357242CB1CB}" type="datetimeFigureOut">
               <a:rPr lang="fi-FI" smtClean="0"/>
-              <a:t>13.12.2024</a:t>
+              <a:t>16.12.2024</a:t>
             </a:fld>
             <a:endParaRPr lang="fi-FI"/>
           </a:p>
@@ -7101,7 +7173,7 @@
           <a:p>
             <a:fld id="{84687FAC-41F0-4880-8D1E-9357242CB1CB}" type="datetimeFigureOut">
               <a:rPr lang="fi-FI" smtClean="0"/>
-              <a:t>13.12.2024</a:t>
+              <a:t>16.12.2024</a:t>
             </a:fld>
             <a:endParaRPr lang="fi-FI"/>
           </a:p>
@@ -7196,7 +7268,7 @@
           <a:p>
             <a:fld id="{84687FAC-41F0-4880-8D1E-9357242CB1CB}" type="datetimeFigureOut">
               <a:rPr lang="fi-FI" smtClean="0"/>
-              <a:t>13.12.2024</a:t>
+              <a:t>16.12.2024</a:t>
             </a:fld>
             <a:endParaRPr lang="fi-FI"/>
           </a:p>
@@ -7471,7 +7543,7 @@
           <a:p>
             <a:fld id="{84687FAC-41F0-4880-8D1E-9357242CB1CB}" type="datetimeFigureOut">
               <a:rPr lang="fi-FI" smtClean="0"/>
-              <a:t>13.12.2024</a:t>
+              <a:t>16.12.2024</a:t>
             </a:fld>
             <a:endParaRPr lang="fi-FI"/>
           </a:p>
@@ -7726,7 +7798,7 @@
           <a:p>
             <a:fld id="{84687FAC-41F0-4880-8D1E-9357242CB1CB}" type="datetimeFigureOut">
               <a:rPr lang="fi-FI" smtClean="0"/>
-              <a:t>13.12.2024</a:t>
+              <a:t>16.12.2024</a:t>
             </a:fld>
             <a:endParaRPr lang="fi-FI"/>
           </a:p>
@@ -7937,7 +8009,7 @@
           <a:p>
             <a:fld id="{84687FAC-41F0-4880-8D1E-9357242CB1CB}" type="datetimeFigureOut">
               <a:rPr lang="fi-FI" smtClean="0"/>
-              <a:t>13.12.2024</a:t>
+              <a:t>16.12.2024</a:t>
             </a:fld>
             <a:endParaRPr lang="fi-FI"/>
           </a:p>
@@ -9223,33 +9295,59 @@
           </a:xfrm>
         </p:spPr>
         <p:txBody>
-          <a:bodyPr vert="horz" lIns="91440" tIns="45720" rIns="91440" bIns="45720" rtlCol="0">
-            <a:normAutofit/>
+          <a:bodyPr vert="horz" lIns="91440" tIns="45720" rIns="91440" bIns="45720" rtlCol="0" anchor="t">
+            <a:normAutofit lnSpcReduction="10000"/>
           </a:bodyPr>
           <a:lstStyle/>
           <a:p>
             <a:r>
-              <a:rPr lang="fi-FI" sz="2000"/>
+              <a:rPr lang="fi-FI" sz="2000" dirty="0"/>
               <a:t>Palvelussa on Ilmainen perusversio ja Premium versio 5€/kk, josta saa tarkemmat tiedot, jos käyttäjä haluaa niitä saada.</a:t>
             </a:r>
           </a:p>
           <a:p>
             <a:r>
-              <a:rPr lang="fi-FI" sz="2000"/>
+              <a:rPr lang="fi-FI" sz="2000" dirty="0"/>
               <a:t>Ilmaisessa versiossa näkee perustiedot kisoista, kuten Kisojen järjestys, aika, nopeimman kierroksen ajan ja kierrostenmäärä.</a:t>
             </a:r>
           </a:p>
           <a:p>
             <a:r>
-              <a:rPr lang="fi-FI" sz="2000"/>
-              <a:t>Premium versiossa voi nähdä Sektorien ajat, Renkaiden Iän, Renkaiden kulumisen ja kartan radasta, josta voi katsoa tarkemmin mikä on ollut esimerkiksi nopein sektori ja missä kuski on käyttänyt DRS, Premium käyttäjät saavat myös lisätietoja rangaistuksista ja niiden syystä.</a:t>
-            </a:r>
-          </a:p>
-          <a:p>
-            <a:r>
-              <a:rPr lang="fi-FI" sz="2000"/>
-              <a:t>Premium-tuki: premium-käyttäjille nopeampi vasteaika ja pirorisoitu tuki teknisissä asioissa.</a:t>
-            </a:r>
+              <a:rPr lang="fi-FI" sz="2000" dirty="0"/>
+              <a:t>Premium versiossa voi nähdä Sektorien ajat, Renkaiden Iän, Renkaiden kulumisen ja kartan radasta, josta voi katsoa tarkemmin mikä on ollut esimerkiksi nopein sektori ja missä kuski on käyttänyt DRS, Premium käyttäjät saavat myös lisätietoja rangaistuksista.</a:t>
+            </a:r>
+          </a:p>
+          <a:p>
+            <a:r>
+              <a:rPr lang="fi-FI" sz="2000" dirty="0"/>
+              <a:t>Premium-tuki: </a:t>
+            </a:r>
+            <a:r>
+              <a:rPr lang="fi-FI" sz="2000" dirty="0" err="1"/>
+              <a:t>premium</a:t>
+            </a:r>
+            <a:r>
+              <a:rPr lang="fi-FI" sz="2000" dirty="0"/>
+              <a:t>-käyttäjille nopeampi vasteaika.</a:t>
+            </a:r>
+          </a:p>
+          <a:p>
+            <a:r>
+              <a:rPr lang="fi-FI" sz="2000" dirty="0">
+                <a:ea typeface="+mn-lt"/>
+                <a:cs typeface="+mn-lt"/>
+                <a:hlinkClick r:id="rId2"/>
+              </a:rPr>
+              <a:t>Meeting with Kristofer Maripuu NTIS23K-20241215_174935-Meeting Recording.mp4</a:t>
+            </a:r>
+            <a:r>
+              <a:rPr lang="fi-FI" sz="2000" dirty="0">
+                <a:ea typeface="+mn-lt"/>
+                <a:cs typeface="+mn-lt"/>
+              </a:rPr>
+              <a:t> </a:t>
+            </a:r>
+            <a:endParaRPr lang="fi-FI" sz="2000" dirty="0"/>
           </a:p>
         </p:txBody>
       </p:sp>
@@ -9338,15 +9436,37 @@
               <a:buNone/>
             </a:pPr>
             <a:r>
-              <a:rPr lang="fi-FI"/>
+              <a:rPr lang="fi-FI" dirty="0"/>
               <a:t>1. SALAUS</a:t>
             </a:r>
           </a:p>
           <a:p>
             <a:pPr lvl="1"/>
             <a:r>
-              <a:rPr lang="fi-FI" sz="2000"/>
+              <a:rPr lang="fi-FI" sz="2000" dirty="0"/>
               <a:t>Kaikki data siirretään suojattujen kanavien kautta (SSL/TLS-salaus), jotta käyttäjien tiedot ja kisatulokset pysyvät turvassa.</a:t>
+            </a:r>
+          </a:p>
+          <a:p>
+            <a:pPr lvl="1"/>
+            <a:r>
+              <a:rPr lang="fi-FI" sz="2000" dirty="0"/>
+              <a:t>HTTPS protokolla varmistaa, että </a:t>
+            </a:r>
+            <a:r>
+              <a:rPr lang="fi-FI" sz="2000" dirty="0" err="1"/>
+              <a:t>tiedo</a:t>
+            </a:r>
+            <a:r>
+              <a:rPr lang="fi-FI" sz="2000" dirty="0"/>
+              <a:t> siirtyy turvallisesti.</a:t>
+            </a:r>
+          </a:p>
+          <a:p>
+            <a:pPr lvl="1"/>
+            <a:r>
+              <a:rPr lang="fi-FI" sz="2000" dirty="0" err="1"/>
+              <a:t>OAuth</a:t>
             </a:r>
           </a:p>
           <a:p>
@@ -9354,29 +9474,29 @@
               <a:buNone/>
             </a:pPr>
             <a:r>
-              <a:rPr lang="fi-FI" sz="2800"/>
+              <a:rPr lang="fi-FI" sz="2800" dirty="0"/>
               <a:t>2. GDPR eli yleinen tietosuoja-asetus</a:t>
             </a:r>
           </a:p>
           <a:p>
             <a:pPr lvl="1"/>
             <a:r>
-              <a:rPr lang="fi-FI" sz="2000"/>
+              <a:rPr lang="fi-FI" sz="2000" dirty="0"/>
               <a:t>Tietoja kerätään ja käsitellään avoimesti, rehellisesti ja lain mukaisesti.</a:t>
             </a:r>
           </a:p>
           <a:p>
             <a:pPr lvl="1"/>
             <a:r>
-              <a:rPr lang="fi-FI" sz="2000"/>
+              <a:rPr lang="fi-FI" sz="2000" dirty="0"/>
               <a:t>Kaikki asiakkaasta kerätty tieto on ajan tasalla ja virheetöntä.</a:t>
             </a:r>
           </a:p>
           <a:p>
             <a:pPr lvl="1"/>
             <a:r>
-              <a:rPr lang="fi-FI" sz="2000"/>
-              <a:t>Suostumus on pyydetty selkeästi verkkosivullamme.</a:t>
+              <a:rPr lang="fi-FI" sz="2000" dirty="0"/>
+              <a:t>Suostumus on pyydetty selkeästi.</a:t>
             </a:r>
           </a:p>
           <a:p>
@@ -9390,38 +9510,6 @@
               <a:buNone/>
             </a:pPr>
             <a:endParaRPr lang="fi-FI"/>
-          </a:p>
-        </p:txBody>
-      </p:sp>
-      <p:sp>
-        <p:nvSpPr>
-          <p:cNvPr id="4" name="TextBox 3">
-            <a:extLst>
-              <a:ext uri="{FF2B5EF4-FFF2-40B4-BE49-F238E27FC236}">
-                <a16:creationId xmlns:a16="http://schemas.microsoft.com/office/drawing/2014/main" id="{9475DD2C-A63E-E6AD-6591-4CAF74858B4B}"/>
-              </a:ext>
-            </a:extLst>
-          </p:cNvPr>
-          <p:cNvSpPr txBox="1"/>
-          <p:nvPr/>
-        </p:nvSpPr>
-        <p:spPr>
-          <a:xfrm>
-            <a:off x="1359569" y="4680285"/>
-            <a:ext cx="8121316" cy="369332"/>
-          </a:xfrm>
-          <a:prstGeom prst="rect">
-            <a:avLst/>
-          </a:prstGeom>
-          <a:noFill/>
-        </p:spPr>
-        <p:txBody>
-          <a:bodyPr wrap="square" rtlCol="0">
-            <a:spAutoFit/>
-          </a:bodyPr>
-          <a:lstStyle/>
-          <a:p>
-            <a:endParaRPr lang="LID4096"/>
           </a:p>
         </p:txBody>
       </p:sp>
